--- a/Prokarma/Customer Satisfaction.pptx
+++ b/Prokarma/Customer Satisfaction.pptx
@@ -12,22 +12,17 @@
     <p:sldId id="288" r:id="rId9"/>
     <p:sldId id="289" r:id="rId10"/>
     <p:sldId id="290" r:id="rId11"/>
-    <p:sldId id="293" r:id="rId12"/>
-    <p:sldId id="294" r:id="rId13"/>
-    <p:sldId id="295" r:id="rId14"/>
-    <p:sldId id="296" r:id="rId15"/>
-    <p:sldId id="297" r:id="rId16"/>
-    <p:sldId id="298" r:id="rId17"/>
-    <p:sldId id="299" r:id="rId18"/>
-    <p:sldId id="300" r:id="rId19"/>
-    <p:sldId id="301" r:id="rId20"/>
-    <p:sldId id="302" r:id="rId21"/>
-    <p:sldId id="303" r:id="rId22"/>
-    <p:sldId id="304" r:id="rId23"/>
-    <p:sldId id="305" r:id="rId24"/>
-    <p:sldId id="306" r:id="rId25"/>
-    <p:sldId id="307" r:id="rId26"/>
-    <p:sldId id="292" r:id="rId27"/>
+    <p:sldId id="309" r:id="rId12"/>
+    <p:sldId id="310" r:id="rId13"/>
+    <p:sldId id="311" r:id="rId14"/>
+    <p:sldId id="312" r:id="rId15"/>
+    <p:sldId id="313" r:id="rId16"/>
+    <p:sldId id="314" r:id="rId17"/>
+    <p:sldId id="315" r:id="rId18"/>
+    <p:sldId id="316" r:id="rId19"/>
+    <p:sldId id="317" r:id="rId20"/>
+    <p:sldId id="318" r:id="rId21"/>
+    <p:sldId id="319" r:id="rId22"/>
   </p:sldIdLst>
   <p:sldSz cx="9144000" cy="6858000" type="screen4x3"/>
   <p:notesSz cx="6858000" cy="9144000"/>
@@ -7641,7 +7636,18 @@
                 <a:ea typeface="+mj-ea"/>
                 <a:cs typeface="+mj-cs"/>
               </a:rPr>
-              <a:t>A</a:t>
+              <a:t>- Anil </a:t>
+            </a:r>
+            <a:r>
+              <a:rPr lang="en-US" sz="2000" b="1" dirty="0" smtClean="0">
+                <a:solidFill>
+                  <a:schemeClr val="tx1"/>
+                </a:solidFill>
+                <a:latin typeface="+mj-lt"/>
+                <a:ea typeface="+mj-ea"/>
+                <a:cs typeface="+mj-cs"/>
+              </a:rPr>
+              <a:t>Sakala</a:t>
             </a:r>
             <a:endParaRPr lang="en-US" sz="2000" b="1" dirty="0">
               <a:solidFill>
@@ -7736,7 +7742,7 @@
           <a:p>
             <a:r>
               <a:rPr lang="en-US" sz="2000" b="1" dirty="0" smtClean="0"/>
-              <a:t>Focus on quality of work and non functional requirements</a:t>
+              <a:t>I want to train</a:t>
             </a:r>
             <a:endParaRPr lang="en-US" sz="2000" b="1" dirty="0"/>
           </a:p>
@@ -7755,7 +7761,7 @@
         <p:spPr>
           <a:xfrm>
             <a:off x="612648" y="1828800"/>
-            <a:ext cx="8153400" cy="2209800"/>
+            <a:ext cx="7693152" cy="4572000"/>
           </a:xfrm>
         </p:spPr>
         <p:txBody>
@@ -7770,7 +7776,37 @@
             </a:pPr>
             <a:r>
               <a:rPr lang="en-US" sz="1800" dirty="0" smtClean="0"/>
-              <a:t>Maintain good test coverage for all our DU’s</a:t>
+              <a:t>Detailed list of guidelines for trainer</a:t>
+            </a:r>
+          </a:p>
+          <a:p>
+            <a:pPr lvl="1">
+              <a:buFont typeface="Wingdings" pitchFamily="2" charset="2"/>
+              <a:buChar char="ü"/>
+            </a:pPr>
+            <a:r>
+              <a:rPr lang="en-US" sz="1500" dirty="0" smtClean="0"/>
+              <a:t>Minimum take</a:t>
+            </a:r>
+          </a:p>
+          <a:p>
+            <a:pPr lvl="1">
+              <a:buFont typeface="Wingdings" pitchFamily="2" charset="2"/>
+              <a:buChar char="ü"/>
+            </a:pPr>
+            <a:r>
+              <a:rPr lang="en-US" sz="1500" dirty="0" smtClean="0"/>
+              <a:t>Expected quality of session</a:t>
+            </a:r>
+          </a:p>
+          <a:p>
+            <a:pPr lvl="1">
+              <a:buFont typeface="Wingdings" pitchFamily="2" charset="2"/>
+              <a:buChar char="ü"/>
+            </a:pPr>
+            <a:r>
+              <a:rPr lang="en-US" sz="1500" dirty="0" smtClean="0"/>
+              <a:t>He must aware of the feedback process and average rating values</a:t>
             </a:r>
           </a:p>
           <a:p>
@@ -7780,7 +7816,7 @@
             </a:pPr>
             <a:r>
               <a:rPr lang="en-US" sz="1800" dirty="0" smtClean="0"/>
-              <a:t>Maintain good sonar report</a:t>
+              <a:t>Mail details of the person to be contacted to make a session</a:t>
             </a:r>
           </a:p>
           <a:p>
@@ -7788,28 +7824,13 @@
               <a:buFont typeface="Wingdings" pitchFamily="2" charset="2"/>
               <a:buChar char="ü"/>
             </a:pPr>
-            <a:r>
-              <a:rPr lang="en-US" sz="1800" dirty="0" smtClean="0"/>
-              <a:t>Good code review comments (We are adding task for every new deployment unit . So no question of skipping it)</a:t>
-            </a:r>
+            <a:endParaRPr lang="en-US" sz="1800" dirty="0" smtClean="0"/>
           </a:p>
           <a:p>
             <a:pPr>
-              <a:buFont typeface="Wingdings" pitchFamily="2" charset="2"/>
-              <a:buChar char="ü"/>
-            </a:pPr>
-            <a:r>
-              <a:rPr lang="en-US" sz="1800" dirty="0" smtClean="0"/>
-              <a:t>Ensure </a:t>
-            </a:r>
-            <a:r>
-              <a:rPr lang="en-US" sz="1800" dirty="0" err="1" smtClean="0"/>
-              <a:t>jenkins</a:t>
-            </a:r>
-            <a:r>
-              <a:rPr lang="en-US" sz="1800" dirty="0" smtClean="0"/>
-              <a:t> jobs are stable</a:t>
-            </a:r>
+              <a:buNone/>
+            </a:pPr>
+            <a:endParaRPr lang="en-US" sz="1800" dirty="0" smtClean="0"/>
           </a:p>
         </p:txBody>
       </p:sp>
@@ -7867,7 +7888,7 @@
           <a:p>
             <a:r>
               <a:rPr lang="en-US" sz="2000" b="1" dirty="0" smtClean="0"/>
-              <a:t>Focus on quality of work and non functional requirements</a:t>
+              <a:t>Trainers in Prokarma</a:t>
             </a:r>
             <a:endParaRPr lang="en-US" sz="2000" b="1" dirty="0"/>
           </a:p>
@@ -7886,7 +7907,7 @@
         <p:spPr>
           <a:xfrm>
             <a:off x="612648" y="1828800"/>
-            <a:ext cx="8153400" cy="2209800"/>
+            <a:ext cx="7693152" cy="4572000"/>
           </a:xfrm>
         </p:spPr>
         <p:txBody>
@@ -7901,7 +7922,7 @@
             </a:pPr>
             <a:r>
               <a:rPr lang="en-US" sz="1800" dirty="0" smtClean="0"/>
-              <a:t>Maintain good test coverage for all our DU’s</a:t>
+              <a:t>Main purpose of this page is to motivate employees and make them feel proud about the training work that is made</a:t>
             </a:r>
           </a:p>
           <a:p>
@@ -7911,7 +7932,7 @@
             </a:pPr>
             <a:r>
               <a:rPr lang="en-US" sz="1800" dirty="0" smtClean="0"/>
-              <a:t>Maintain good sonar report</a:t>
+              <a:t>We need to display photos of all trainers who got average decent rating (3.5 and above ) and contribution made by them to training department. This approach will increase their visibility and make them feel proud.</a:t>
             </a:r>
           </a:p>
           <a:p>
@@ -7919,28 +7940,13 @@
               <a:buFont typeface="Wingdings" pitchFamily="2" charset="2"/>
               <a:buChar char="ü"/>
             </a:pPr>
-            <a:r>
-              <a:rPr lang="en-US" sz="1800" dirty="0" smtClean="0"/>
-              <a:t>Good code review comments (We are adding task for every new deployment unit . So no question of skipping it)</a:t>
-            </a:r>
+            <a:endParaRPr lang="en-US" sz="1800" dirty="0" smtClean="0"/>
           </a:p>
           <a:p>
             <a:pPr>
-              <a:buFont typeface="Wingdings" pitchFamily="2" charset="2"/>
-              <a:buChar char="ü"/>
-            </a:pPr>
-            <a:r>
-              <a:rPr lang="en-US" sz="1800" dirty="0" smtClean="0"/>
-              <a:t>Ensure </a:t>
-            </a:r>
-            <a:r>
-              <a:rPr lang="en-US" sz="1800" dirty="0" err="1" smtClean="0"/>
-              <a:t>jenkins</a:t>
-            </a:r>
-            <a:r>
-              <a:rPr lang="en-US" sz="1800" dirty="0" smtClean="0"/>
-              <a:t> jobs are stable</a:t>
-            </a:r>
+              <a:buNone/>
+            </a:pPr>
+            <a:endParaRPr lang="en-US" sz="1800" dirty="0" smtClean="0"/>
           </a:p>
         </p:txBody>
       </p:sp>
@@ -7998,7 +8004,7 @@
           <a:p>
             <a:r>
               <a:rPr lang="en-US" sz="2000" b="1" dirty="0" smtClean="0"/>
-              <a:t>Focus on quality of work and non functional requirements</a:t>
+              <a:t>Awards &amp; Rewards</a:t>
             </a:r>
             <a:endParaRPr lang="en-US" sz="2000" b="1" dirty="0"/>
           </a:p>
@@ -8017,7 +8023,7 @@
         <p:spPr>
           <a:xfrm>
             <a:off x="612648" y="1828800"/>
-            <a:ext cx="8153400" cy="2209800"/>
+            <a:ext cx="7693152" cy="4572000"/>
           </a:xfrm>
         </p:spPr>
         <p:txBody>
@@ -8032,7 +8038,7 @@
             </a:pPr>
             <a:r>
               <a:rPr lang="en-US" sz="1800" dirty="0" smtClean="0"/>
-              <a:t>Maintain good test coverage for all our DU’s</a:t>
+              <a:t>We have to come out with clear guidelines to give award for employees who have made outstanding contribution to learning department.</a:t>
             </a:r>
           </a:p>
           <a:p>
@@ -8042,36 +8048,27 @@
             </a:pPr>
             <a:r>
               <a:rPr lang="en-US" sz="1800" dirty="0" smtClean="0"/>
-              <a:t>Maintain good sonar report</a:t>
-            </a:r>
+              <a:t>All norms and conditions for getting award need to be displayed on this page and also list to employees who received award need to be displayed.</a:t>
+            </a:r>
+          </a:p>
+          <a:p>
+            <a:pPr>
+              <a:buNone/>
+            </a:pPr>
+            <a:endParaRPr lang="en-US" sz="1800" dirty="0" smtClean="0"/>
           </a:p>
           <a:p>
             <a:pPr>
               <a:buFont typeface="Wingdings" pitchFamily="2" charset="2"/>
               <a:buChar char="ü"/>
             </a:pPr>
-            <a:r>
-              <a:rPr lang="en-US" sz="1800" dirty="0" smtClean="0"/>
-              <a:t>Good code review comments (We are adding task for every new deployment unit . So no question of skipping it)</a:t>
-            </a:r>
+            <a:endParaRPr lang="en-US" sz="1800" dirty="0" smtClean="0"/>
           </a:p>
           <a:p>
             <a:pPr>
-              <a:buFont typeface="Wingdings" pitchFamily="2" charset="2"/>
-              <a:buChar char="ü"/>
-            </a:pPr>
-            <a:r>
-              <a:rPr lang="en-US" sz="1800" dirty="0" smtClean="0"/>
-              <a:t>Ensure </a:t>
-            </a:r>
-            <a:r>
-              <a:rPr lang="en-US" sz="1800" dirty="0" err="1" smtClean="0"/>
-              <a:t>jenkins</a:t>
-            </a:r>
-            <a:r>
-              <a:rPr lang="en-US" sz="1800" dirty="0" smtClean="0"/>
-              <a:t> jobs are stable</a:t>
-            </a:r>
+              <a:buNone/>
+            </a:pPr>
+            <a:endParaRPr lang="en-US" sz="1800" dirty="0" smtClean="0"/>
           </a:p>
         </p:txBody>
       </p:sp>
@@ -8129,7 +8126,7 @@
           <a:p>
             <a:r>
               <a:rPr lang="en-US" sz="2000" b="1" dirty="0" smtClean="0"/>
-              <a:t>Focus on quality of work and non functional requirements</a:t>
+              <a:t>E-book / Online text / Videos</a:t>
             </a:r>
             <a:endParaRPr lang="en-US" sz="2000" b="1" dirty="0"/>
           </a:p>
@@ -8148,7 +8145,7 @@
         <p:spPr>
           <a:xfrm>
             <a:off x="612648" y="1828800"/>
-            <a:ext cx="8153400" cy="2209800"/>
+            <a:ext cx="7693152" cy="4572000"/>
           </a:xfrm>
         </p:spPr>
         <p:txBody>
@@ -8163,7 +8160,7 @@
             </a:pPr>
             <a:r>
               <a:rPr lang="en-US" sz="1800" dirty="0" smtClean="0"/>
-              <a:t>Maintain good test coverage for all our DU’s</a:t>
+              <a:t>Main source of learning today is e-book. For any topic there are just two or three good books and tracking those books on a single page will be useful information . I have seen few employees asking me for a good book on a specific technology .</a:t>
             </a:r>
           </a:p>
           <a:p>
@@ -8173,7 +8170,7 @@
             </a:pPr>
             <a:r>
               <a:rPr lang="en-US" sz="1800" dirty="0" smtClean="0"/>
-              <a:t>Maintain good sonar report</a:t>
+              <a:t>I have any idea about format that need to be followed . I will share n meeting</a:t>
             </a:r>
           </a:p>
           <a:p>
@@ -8183,7 +8180,7 @@
             </a:pPr>
             <a:r>
               <a:rPr lang="en-US" sz="1800" dirty="0" smtClean="0"/>
-              <a:t>Good code review comments (We are adding task for every new deployment unit . So no question of skipping it)</a:t>
+              <a:t>On similar lines we have to go for online text and videos</a:t>
             </a:r>
           </a:p>
           <a:p>
@@ -8193,16 +8190,21 @@
             </a:pPr>
             <a:r>
               <a:rPr lang="en-US" sz="1800" dirty="0" smtClean="0"/>
-              <a:t>Ensure </a:t>
-            </a:r>
-            <a:r>
-              <a:rPr lang="en-US" sz="1800" dirty="0" err="1" smtClean="0"/>
-              <a:t>jenkins</a:t>
-            </a:r>
-            <a:r>
-              <a:rPr lang="en-US" sz="1800" dirty="0" smtClean="0"/>
-              <a:t> jobs are stable</a:t>
-            </a:r>
+              <a:t>Employee participation is required here . I will talk in last slide</a:t>
+            </a:r>
+          </a:p>
+          <a:p>
+            <a:pPr>
+              <a:buFont typeface="Wingdings" pitchFamily="2" charset="2"/>
+              <a:buChar char="ü"/>
+            </a:pPr>
+            <a:endParaRPr lang="en-US" sz="1800" dirty="0" smtClean="0"/>
+          </a:p>
+          <a:p>
+            <a:pPr>
+              <a:buNone/>
+            </a:pPr>
+            <a:endParaRPr lang="en-US" sz="1800" dirty="0" smtClean="0"/>
           </a:p>
         </p:txBody>
       </p:sp>
@@ -8260,7 +8262,7 @@
           <a:p>
             <a:r>
               <a:rPr lang="en-US" sz="2000" b="1" dirty="0" smtClean="0"/>
-              <a:t>Focus on quality of work and non functional requirements</a:t>
+              <a:t>Certification Mentors</a:t>
             </a:r>
             <a:endParaRPr lang="en-US" sz="2000" b="1" dirty="0"/>
           </a:p>
@@ -8279,7 +8281,7 @@
         <p:spPr>
           <a:xfrm>
             <a:off x="612648" y="1828800"/>
-            <a:ext cx="8153400" cy="2209800"/>
+            <a:ext cx="7693152" cy="4572000"/>
           </a:xfrm>
         </p:spPr>
         <p:txBody>
@@ -8294,7 +8296,7 @@
             </a:pPr>
             <a:r>
               <a:rPr lang="en-US" sz="1800" dirty="0" smtClean="0"/>
-              <a:t>Maintain good test coverage for all our DU’s</a:t>
+              <a:t>We want our employees to do certification  and they look for some with whom they can talk and understand process for getting certified.</a:t>
             </a:r>
           </a:p>
           <a:p>
@@ -8304,7 +8306,7 @@
             </a:pPr>
             <a:r>
               <a:rPr lang="en-US" sz="1800" dirty="0" smtClean="0"/>
-              <a:t>Maintain good sonar report</a:t>
+              <a:t>This page should help such employees</a:t>
             </a:r>
           </a:p>
           <a:p>
@@ -8314,26 +8316,33 @@
             </a:pPr>
             <a:r>
               <a:rPr lang="en-US" sz="1800" dirty="0" smtClean="0"/>
-              <a:t>Good code review comments (We are adding task for every new deployment unit . So no question of skipping it)</a:t>
-            </a:r>
+              <a:t>Identify employees who have done certifications and if they are willing to mentor or guide people we can add them to this page</a:t>
+            </a:r>
+          </a:p>
+          <a:p>
+            <a:pPr>
+              <a:buNone/>
+            </a:pPr>
+            <a:endParaRPr lang="en-US" sz="1800" dirty="0" smtClean="0"/>
+          </a:p>
+          <a:p>
+            <a:pPr lvl="1">
+              <a:buNone/>
+            </a:pPr>
+            <a:endParaRPr lang="en-US" sz="1800" dirty="0" smtClean="0"/>
           </a:p>
           <a:p>
             <a:pPr>
               <a:buFont typeface="Wingdings" pitchFamily="2" charset="2"/>
               <a:buChar char="ü"/>
             </a:pPr>
-            <a:r>
-              <a:rPr lang="en-US" sz="1800" dirty="0" smtClean="0"/>
-              <a:t>Ensure </a:t>
-            </a:r>
-            <a:r>
-              <a:rPr lang="en-US" sz="1800" dirty="0" err="1" smtClean="0"/>
-              <a:t>jenkins</a:t>
-            </a:r>
-            <a:r>
-              <a:rPr lang="en-US" sz="1800" dirty="0" smtClean="0"/>
-              <a:t> jobs are stable</a:t>
-            </a:r>
+            <a:endParaRPr lang="en-US" sz="1800" dirty="0" smtClean="0"/>
+          </a:p>
+          <a:p>
+            <a:pPr>
+              <a:buNone/>
+            </a:pPr>
+            <a:endParaRPr lang="en-US" sz="1800" dirty="0" smtClean="0"/>
           </a:p>
         </p:txBody>
       </p:sp>
@@ -8391,7 +8400,7 @@
           <a:p>
             <a:r>
               <a:rPr lang="en-US" sz="2000" b="1" dirty="0" smtClean="0"/>
-              <a:t>Focus on quality of work and non functional requirements</a:t>
+              <a:t>Recommended Certifications</a:t>
             </a:r>
             <a:endParaRPr lang="en-US" sz="2000" b="1" dirty="0"/>
           </a:p>
@@ -8410,7 +8419,7 @@
         <p:spPr>
           <a:xfrm>
             <a:off x="612648" y="1828800"/>
-            <a:ext cx="8153400" cy="2209800"/>
+            <a:ext cx="7693152" cy="4572000"/>
           </a:xfrm>
         </p:spPr>
         <p:txBody>
@@ -8425,7 +8434,7 @@
             </a:pPr>
             <a:r>
               <a:rPr lang="en-US" sz="1800" dirty="0" smtClean="0"/>
-              <a:t>Maintain good test coverage for all our DU’s</a:t>
+              <a:t>All certifications as recommended by prokarma for both technical and technical areas should be displayed here .</a:t>
             </a:r>
           </a:p>
           <a:p>
@@ -8435,7 +8444,7 @@
             </a:pPr>
             <a:r>
               <a:rPr lang="en-US" sz="1800" dirty="0" smtClean="0"/>
-              <a:t>Maintain good sonar report</a:t>
+              <a:t>Clear direction about certifications is present here </a:t>
             </a:r>
           </a:p>
           <a:p>
@@ -8445,7 +8454,7 @@
             </a:pPr>
             <a:r>
               <a:rPr lang="en-US" sz="1800" dirty="0" smtClean="0"/>
-              <a:t>Good code review comments (We are adding task for every new deployment unit . So no question of skipping it)</a:t>
+              <a:t>Few certification that are inline with organization goals need to be documented here</a:t>
             </a:r>
           </a:p>
           <a:p>
@@ -8453,18 +8462,32 @@
               <a:buFont typeface="Wingdings" pitchFamily="2" charset="2"/>
               <a:buChar char="ü"/>
             </a:pPr>
-            <a:r>
-              <a:rPr lang="en-US" sz="1800" dirty="0" smtClean="0"/>
-              <a:t>Ensure </a:t>
-            </a:r>
-            <a:r>
-              <a:rPr lang="en-US" sz="1800" dirty="0" err="1" smtClean="0"/>
-              <a:t>jenkins</a:t>
-            </a:r>
-            <a:r>
-              <a:rPr lang="en-US" sz="1800" dirty="0" smtClean="0"/>
-              <a:t> jobs are stable</a:t>
-            </a:r>
+            <a:endParaRPr lang="en-US" sz="1800" dirty="0" smtClean="0"/>
+          </a:p>
+          <a:p>
+            <a:pPr>
+              <a:buNone/>
+            </a:pPr>
+            <a:endParaRPr lang="en-US" sz="1800" dirty="0" smtClean="0"/>
+          </a:p>
+          <a:p>
+            <a:pPr lvl="1">
+              <a:buNone/>
+            </a:pPr>
+            <a:endParaRPr lang="en-US" sz="1800" dirty="0" smtClean="0"/>
+          </a:p>
+          <a:p>
+            <a:pPr>
+              <a:buFont typeface="Wingdings" pitchFamily="2" charset="2"/>
+              <a:buChar char="ü"/>
+            </a:pPr>
+            <a:endParaRPr lang="en-US" sz="1800" dirty="0" smtClean="0"/>
+          </a:p>
+          <a:p>
+            <a:pPr>
+              <a:buNone/>
+            </a:pPr>
+            <a:endParaRPr lang="en-US" sz="1800" dirty="0" smtClean="0"/>
           </a:p>
         </p:txBody>
       </p:sp>
@@ -8522,7 +8545,7 @@
           <a:p>
             <a:r>
               <a:rPr lang="en-US" sz="2000" b="1" dirty="0" smtClean="0"/>
-              <a:t>Focus on quality of work and non functional requirements</a:t>
+              <a:t>Certified employees in prokarma</a:t>
             </a:r>
             <a:endParaRPr lang="en-US" sz="2000" b="1" dirty="0"/>
           </a:p>
@@ -8541,7 +8564,7 @@
         <p:spPr>
           <a:xfrm>
             <a:off x="612648" y="1828800"/>
-            <a:ext cx="8153400" cy="2209800"/>
+            <a:ext cx="7693152" cy="4572000"/>
           </a:xfrm>
         </p:spPr>
         <p:txBody>
@@ -8556,7 +8579,7 @@
             </a:pPr>
             <a:r>
               <a:rPr lang="en-US" sz="1800" dirty="0" smtClean="0"/>
-              <a:t>Maintain good test coverage for all our DU’s</a:t>
+              <a:t>Contains all employee who have done certification in technical / project management related areas .</a:t>
             </a:r>
           </a:p>
           <a:p>
@@ -8566,7 +8589,7 @@
             </a:pPr>
             <a:r>
               <a:rPr lang="en-US" sz="1800" dirty="0" smtClean="0"/>
-              <a:t>Maintain good sonar report</a:t>
+              <a:t>Make employees feel proud about their certifications </a:t>
             </a:r>
           </a:p>
           <a:p>
@@ -8576,7 +8599,7 @@
             </a:pPr>
             <a:r>
               <a:rPr lang="en-US" sz="1800" dirty="0" smtClean="0"/>
-              <a:t>Good code review comments (We are adding task for every new deployment unit . So no question of skipping it)</a:t>
+              <a:t>Best way to sell our technical competencies to new customers.</a:t>
             </a:r>
           </a:p>
           <a:p>
@@ -8584,18 +8607,39 @@
               <a:buFont typeface="Wingdings" pitchFamily="2" charset="2"/>
               <a:buChar char="ü"/>
             </a:pPr>
-            <a:r>
-              <a:rPr lang="en-US" sz="1800" dirty="0" smtClean="0"/>
-              <a:t>Ensure </a:t>
-            </a:r>
-            <a:r>
-              <a:rPr lang="en-US" sz="1800" dirty="0" err="1" smtClean="0"/>
-              <a:t>jenkins</a:t>
-            </a:r>
-            <a:r>
-              <a:rPr lang="en-US" sz="1800" dirty="0" smtClean="0"/>
-              <a:t> jobs are stable</a:t>
-            </a:r>
+            <a:endParaRPr lang="en-US" sz="1800" dirty="0" smtClean="0"/>
+          </a:p>
+          <a:p>
+            <a:pPr>
+              <a:buFont typeface="Wingdings" pitchFamily="2" charset="2"/>
+              <a:buChar char="ü"/>
+            </a:pPr>
+            <a:endParaRPr lang="en-US" sz="1800" dirty="0" smtClean="0"/>
+          </a:p>
+          <a:p>
+            <a:pPr>
+              <a:buNone/>
+            </a:pPr>
+            <a:endParaRPr lang="en-US" sz="1800" dirty="0" smtClean="0"/>
+          </a:p>
+          <a:p>
+            <a:pPr lvl="1">
+              <a:buNone/>
+            </a:pPr>
+            <a:endParaRPr lang="en-US" sz="1800" dirty="0" smtClean="0"/>
+          </a:p>
+          <a:p>
+            <a:pPr>
+              <a:buFont typeface="Wingdings" pitchFamily="2" charset="2"/>
+              <a:buChar char="ü"/>
+            </a:pPr>
+            <a:endParaRPr lang="en-US" sz="1800" dirty="0" smtClean="0"/>
+          </a:p>
+          <a:p>
+            <a:pPr>
+              <a:buNone/>
+            </a:pPr>
+            <a:endParaRPr lang="en-US" sz="1800" dirty="0" smtClean="0"/>
           </a:p>
         </p:txBody>
       </p:sp>
@@ -8653,7 +8697,7 @@
           <a:p>
             <a:r>
               <a:rPr lang="en-US" sz="2000" b="1" dirty="0" smtClean="0"/>
-              <a:t>Focus on quality of work and non functional requirements</a:t>
+              <a:t>Selling to employees</a:t>
             </a:r>
             <a:endParaRPr lang="en-US" sz="2000" b="1" dirty="0"/>
           </a:p>
@@ -8672,7 +8716,7 @@
         <p:spPr>
           <a:xfrm>
             <a:off x="612648" y="1828800"/>
-            <a:ext cx="8153400" cy="2209800"/>
+            <a:ext cx="7693152" cy="4572000"/>
           </a:xfrm>
         </p:spPr>
         <p:txBody>
@@ -8685,10 +8729,7 @@
               <a:buFont typeface="Wingdings" pitchFamily="2" charset="2"/>
               <a:buChar char="ü"/>
             </a:pPr>
-            <a:r>
-              <a:rPr lang="en-US" sz="1800" dirty="0" smtClean="0"/>
-              <a:t>Maintain good test coverage for all our DU’s</a:t>
-            </a:r>
+            <a:endParaRPr lang="en-US" sz="1800" dirty="0" smtClean="0"/>
           </a:p>
           <a:p>
             <a:pPr>
@@ -8697,298 +8738,80 @@
             </a:pPr>
             <a:r>
               <a:rPr lang="en-US" sz="1800" dirty="0" smtClean="0"/>
-              <a:t>Maintain good sonar report</a:t>
-            </a:r>
+              <a:t>Once  we are up and ready with our learning department </a:t>
+            </a:r>
+          </a:p>
+          <a:p>
+            <a:pPr>
+              <a:buNone/>
+            </a:pPr>
+            <a:r>
+              <a:rPr lang="en-US" sz="1800" dirty="0" smtClean="0"/>
+              <a:t>      We should make a excellent presentation about </a:t>
+            </a:r>
+          </a:p>
+          <a:p>
+            <a:pPr lvl="1">
+              <a:buFont typeface="Wingdings" pitchFamily="2" charset="2"/>
+              <a:buChar char="ü"/>
+            </a:pPr>
+            <a:r>
+              <a:rPr lang="en-US" sz="1500" dirty="0" smtClean="0"/>
+              <a:t>What learning department is trying to do</a:t>
+            </a:r>
+          </a:p>
+          <a:p>
+            <a:pPr lvl="1">
+              <a:buFont typeface="Wingdings" pitchFamily="2" charset="2"/>
+              <a:buChar char="ü"/>
+            </a:pPr>
+            <a:r>
+              <a:rPr lang="en-US" sz="1500" dirty="0" smtClean="0"/>
+              <a:t>Explain , inspire and motivate employees to participate and contribute towards learning department</a:t>
+            </a:r>
+          </a:p>
+          <a:p>
+            <a:pPr lvl="1">
+              <a:buFont typeface="Wingdings" pitchFamily="2" charset="2"/>
+              <a:buChar char="ü"/>
+            </a:pPr>
+            <a:r>
+              <a:rPr lang="en-US" sz="1500" dirty="0" smtClean="0"/>
+              <a:t>Collect feedback and make necessary changes Make employees feel proud about their certifications </a:t>
+            </a:r>
+            <a:endParaRPr lang="en-US" sz="1800" dirty="0" smtClean="0"/>
           </a:p>
           <a:p>
             <a:pPr>
               <a:buFont typeface="Wingdings" pitchFamily="2" charset="2"/>
               <a:buChar char="ü"/>
             </a:pPr>
-            <a:r>
-              <a:rPr lang="en-US" sz="1800" dirty="0" smtClean="0"/>
-              <a:t>Good code review comments (We are adding task for every new deployment unit . So no question of skipping it)</a:t>
-            </a:r>
+            <a:endParaRPr lang="en-US" sz="1800" dirty="0" smtClean="0"/>
+          </a:p>
+          <a:p>
+            <a:pPr>
+              <a:buNone/>
+            </a:pPr>
+            <a:endParaRPr lang="en-US" sz="1800" dirty="0" smtClean="0"/>
+          </a:p>
+          <a:p>
+            <a:pPr lvl="1">
+              <a:buNone/>
+            </a:pPr>
+            <a:endParaRPr lang="en-US" sz="1800" dirty="0" smtClean="0"/>
           </a:p>
           <a:p>
             <a:pPr>
               <a:buFont typeface="Wingdings" pitchFamily="2" charset="2"/>
               <a:buChar char="ü"/>
             </a:pPr>
-            <a:r>
-              <a:rPr lang="en-US" sz="1800" dirty="0" smtClean="0"/>
-              <a:t>Ensure </a:t>
-            </a:r>
-            <a:r>
-              <a:rPr lang="en-US" sz="1800" dirty="0" err="1" smtClean="0"/>
-              <a:t>jenkins</a:t>
-            </a:r>
-            <a:r>
-              <a:rPr lang="en-US" sz="1800" dirty="0" smtClean="0"/>
-              <a:t> jobs are stable</a:t>
-            </a:r>
-          </a:p>
-        </p:txBody>
-      </p:sp>
-    </p:spTree>
-  </p:cSld>
-  <p:clrMapOvr>
-    <a:masterClrMapping/>
-  </p:clrMapOvr>
-  <p:transition spd="slow">
-    <p:wedge/>
-  </p:transition>
-  <p:timing>
-    <p:tnLst>
-      <p:par>
-        <p:cTn id="1" dur="indefinite" restart="never" nodeType="tmRoot"/>
-      </p:par>
-    </p:tnLst>
-  </p:timing>
-</p:sld>
-</file>
-
-<file path=ppt/slides/slide18.xml><?xml version="1.0" encoding="utf-8"?>
-<p:sld xmlns:a="http://schemas.openxmlformats.org/drawingml/2006/main" xmlns:r="http://schemas.openxmlformats.org/officeDocument/2006/relationships" xmlns:p="http://schemas.openxmlformats.org/presentationml/2006/main">
-  <p:cSld>
-    <p:spTree>
-      <p:nvGrpSpPr>
-        <p:cNvPr id="1" name=""/>
-        <p:cNvGrpSpPr/>
-        <p:nvPr/>
-      </p:nvGrpSpPr>
-      <p:grpSpPr>
-        <a:xfrm>
-          <a:off x="0" y="0"/>
-          <a:ext cx="0" cy="0"/>
-          <a:chOff x="0" y="0"/>
-          <a:chExt cx="0" cy="0"/>
-        </a:xfrm>
-      </p:grpSpPr>
-      <p:sp>
-        <p:nvSpPr>
-          <p:cNvPr id="25602" name="Rectangle 2"/>
-          <p:cNvSpPr>
-            <a:spLocks noGrp="1" noChangeArrowheads="1"/>
-          </p:cNvSpPr>
-          <p:nvPr>
-            <p:ph type="title"/>
-          </p:nvPr>
-        </p:nvSpPr>
-        <p:spPr/>
-        <p:txBody>
-          <a:bodyPr>
-            <a:normAutofit/>
-          </a:bodyPr>
-          <a:lstStyle/>
-          <a:p>
-            <a:r>
-              <a:rPr lang="en-US" sz="2000" b="1" dirty="0" smtClean="0"/>
-              <a:t>Focus on quality of work and non functional requirements</a:t>
-            </a:r>
-            <a:endParaRPr lang="en-US" sz="2000" b="1" dirty="0"/>
-          </a:p>
-        </p:txBody>
-      </p:sp>
-      <p:sp>
-        <p:nvSpPr>
-          <p:cNvPr id="25603" name="Rectangle 3"/>
-          <p:cNvSpPr>
-            <a:spLocks noGrp="1" noChangeArrowheads="1"/>
-          </p:cNvSpPr>
-          <p:nvPr>
-            <p:ph sz="quarter" idx="1"/>
-          </p:nvPr>
-        </p:nvSpPr>
-        <p:spPr>
-          <a:xfrm>
-            <a:off x="612648" y="1828800"/>
-            <a:ext cx="8153400" cy="2209800"/>
-          </a:xfrm>
-        </p:spPr>
-        <p:txBody>
-          <a:bodyPr>
-            <a:normAutofit/>
-          </a:bodyPr>
-          <a:lstStyle/>
+            <a:endParaRPr lang="en-US" sz="1800" dirty="0" smtClean="0"/>
+          </a:p>
           <a:p>
             <a:pPr>
-              <a:buFont typeface="Wingdings" pitchFamily="2" charset="2"/>
-              <a:buChar char="ü"/>
-            </a:pPr>
-            <a:r>
-              <a:rPr lang="en-US" sz="1800" dirty="0" smtClean="0"/>
-              <a:t>Maintain good test coverage for all our DU’s</a:t>
-            </a:r>
-          </a:p>
-          <a:p>
-            <a:pPr>
-              <a:buFont typeface="Wingdings" pitchFamily="2" charset="2"/>
-              <a:buChar char="ü"/>
-            </a:pPr>
-            <a:r>
-              <a:rPr lang="en-US" sz="1800" dirty="0" smtClean="0"/>
-              <a:t>Maintain good sonar report</a:t>
-            </a:r>
-          </a:p>
-          <a:p>
-            <a:pPr>
-              <a:buFont typeface="Wingdings" pitchFamily="2" charset="2"/>
-              <a:buChar char="ü"/>
-            </a:pPr>
-            <a:r>
-              <a:rPr lang="en-US" sz="1800" dirty="0" smtClean="0"/>
-              <a:t>Good code review comments (We are adding task for every new deployment unit . So no question of skipping it)</a:t>
-            </a:r>
-          </a:p>
-          <a:p>
-            <a:pPr>
-              <a:buFont typeface="Wingdings" pitchFamily="2" charset="2"/>
-              <a:buChar char="ü"/>
-            </a:pPr>
-            <a:r>
-              <a:rPr lang="en-US" sz="1800" dirty="0" smtClean="0"/>
-              <a:t>Ensure </a:t>
-            </a:r>
-            <a:r>
-              <a:rPr lang="en-US" sz="1800" dirty="0" err="1" smtClean="0"/>
-              <a:t>jenkins</a:t>
-            </a:r>
-            <a:r>
-              <a:rPr lang="en-US" sz="1800" dirty="0" smtClean="0"/>
-              <a:t> jobs are stable</a:t>
-            </a:r>
-          </a:p>
-        </p:txBody>
-      </p:sp>
-    </p:spTree>
-  </p:cSld>
-  <p:clrMapOvr>
-    <a:masterClrMapping/>
-  </p:clrMapOvr>
-  <p:transition spd="slow">
-    <p:wedge/>
-  </p:transition>
-  <p:timing>
-    <p:tnLst>
-      <p:par>
-        <p:cTn id="1" dur="indefinite" restart="never" nodeType="tmRoot"/>
-      </p:par>
-    </p:tnLst>
-  </p:timing>
-</p:sld>
-</file>
-
-<file path=ppt/slides/slide19.xml><?xml version="1.0" encoding="utf-8"?>
-<p:sld xmlns:a="http://schemas.openxmlformats.org/drawingml/2006/main" xmlns:r="http://schemas.openxmlformats.org/officeDocument/2006/relationships" xmlns:p="http://schemas.openxmlformats.org/presentationml/2006/main">
-  <p:cSld>
-    <p:spTree>
-      <p:nvGrpSpPr>
-        <p:cNvPr id="1" name=""/>
-        <p:cNvGrpSpPr/>
-        <p:nvPr/>
-      </p:nvGrpSpPr>
-      <p:grpSpPr>
-        <a:xfrm>
-          <a:off x="0" y="0"/>
-          <a:ext cx="0" cy="0"/>
-          <a:chOff x="0" y="0"/>
-          <a:chExt cx="0" cy="0"/>
-        </a:xfrm>
-      </p:grpSpPr>
-      <p:sp>
-        <p:nvSpPr>
-          <p:cNvPr id="25602" name="Rectangle 2"/>
-          <p:cNvSpPr>
-            <a:spLocks noGrp="1" noChangeArrowheads="1"/>
-          </p:cNvSpPr>
-          <p:nvPr>
-            <p:ph type="title"/>
-          </p:nvPr>
-        </p:nvSpPr>
-        <p:spPr/>
-        <p:txBody>
-          <a:bodyPr>
-            <a:normAutofit/>
-          </a:bodyPr>
-          <a:lstStyle/>
-          <a:p>
-            <a:r>
-              <a:rPr lang="en-US" sz="2000" b="1" dirty="0" smtClean="0"/>
-              <a:t>Focus on quality of work and non functional requirements</a:t>
-            </a:r>
-            <a:endParaRPr lang="en-US" sz="2000" b="1" dirty="0"/>
-          </a:p>
-        </p:txBody>
-      </p:sp>
-      <p:sp>
-        <p:nvSpPr>
-          <p:cNvPr id="25603" name="Rectangle 3"/>
-          <p:cNvSpPr>
-            <a:spLocks noGrp="1" noChangeArrowheads="1"/>
-          </p:cNvSpPr>
-          <p:nvPr>
-            <p:ph sz="quarter" idx="1"/>
-          </p:nvPr>
-        </p:nvSpPr>
-        <p:spPr>
-          <a:xfrm>
-            <a:off x="612648" y="1828800"/>
-            <a:ext cx="8153400" cy="2209800"/>
-          </a:xfrm>
-        </p:spPr>
-        <p:txBody>
-          <a:bodyPr>
-            <a:normAutofit/>
-          </a:bodyPr>
-          <a:lstStyle/>
-          <a:p>
-            <a:pPr>
-              <a:buFont typeface="Wingdings" pitchFamily="2" charset="2"/>
-              <a:buChar char="ü"/>
-            </a:pPr>
-            <a:r>
-              <a:rPr lang="en-US" sz="1800" dirty="0" smtClean="0"/>
-              <a:t>Maintain good test coverage for all our DU’s</a:t>
-            </a:r>
-          </a:p>
-          <a:p>
-            <a:pPr>
-              <a:buFont typeface="Wingdings" pitchFamily="2" charset="2"/>
-              <a:buChar char="ü"/>
-            </a:pPr>
-            <a:r>
-              <a:rPr lang="en-US" sz="1800" dirty="0" smtClean="0"/>
-              <a:t>Maintain good sonar report</a:t>
-            </a:r>
-          </a:p>
-          <a:p>
-            <a:pPr>
-              <a:buFont typeface="Wingdings" pitchFamily="2" charset="2"/>
-              <a:buChar char="ü"/>
-            </a:pPr>
-            <a:r>
-              <a:rPr lang="en-US" sz="1800" dirty="0" smtClean="0"/>
-              <a:t>Good code review comments (We are adding task for every new deployment unit . So no question of skipping it)</a:t>
-            </a:r>
-          </a:p>
-          <a:p>
-            <a:pPr>
-              <a:buFont typeface="Wingdings" pitchFamily="2" charset="2"/>
-              <a:buChar char="ü"/>
-            </a:pPr>
-            <a:r>
-              <a:rPr lang="en-US" sz="1800" dirty="0" smtClean="0"/>
-              <a:t>Ensure </a:t>
-            </a:r>
-            <a:r>
-              <a:rPr lang="en-US" sz="1800" dirty="0" err="1" smtClean="0"/>
-              <a:t>jenkins</a:t>
-            </a:r>
-            <a:r>
-              <a:rPr lang="en-US" sz="1800" dirty="0" smtClean="0"/>
-              <a:t> jobs are stable</a:t>
-            </a:r>
+              <a:buNone/>
+            </a:pPr>
+            <a:endParaRPr lang="en-US" sz="1800" dirty="0" smtClean="0"/>
           </a:p>
         </p:txBody>
       </p:sp>
@@ -9073,7 +8896,7 @@
         </p:spPr>
         <p:txBody>
           <a:bodyPr>
-            <a:normAutofit fontScale="77500" lnSpcReduction="20000"/>
+            <a:normAutofit fontScale="85000" lnSpcReduction="20000"/>
           </a:bodyPr>
           <a:lstStyle/>
           <a:p>
@@ -9182,418 +9005,6 @@
               <a:buChar char="ü"/>
             </a:pPr>
             <a:endParaRPr lang="en-US" sz="2400" dirty="0"/>
-          </a:p>
-          <a:p>
-            <a:pPr>
-              <a:buFont typeface="Wingdings" pitchFamily="2" charset="2"/>
-              <a:buChar char="ü"/>
-            </a:pPr>
-            <a:endParaRPr lang="en-US" dirty="0"/>
-          </a:p>
-        </p:txBody>
-      </p:sp>
-    </p:spTree>
-  </p:cSld>
-  <p:clrMapOvr>
-    <a:masterClrMapping/>
-  </p:clrMapOvr>
-  <p:transition spd="slow">
-    <p:wedge/>
-  </p:transition>
-  <p:timing>
-    <p:tnLst>
-      <p:par>
-        <p:cTn id="1" dur="indefinite" restart="never" nodeType="tmRoot"/>
-      </p:par>
-    </p:tnLst>
-  </p:timing>
-</p:sld>
-</file>
-
-<file path=ppt/slides/slide20.xml><?xml version="1.0" encoding="utf-8"?>
-<p:sld xmlns:a="http://schemas.openxmlformats.org/drawingml/2006/main" xmlns:r="http://schemas.openxmlformats.org/officeDocument/2006/relationships" xmlns:p="http://schemas.openxmlformats.org/presentationml/2006/main">
-  <p:cSld>
-    <p:spTree>
-      <p:nvGrpSpPr>
-        <p:cNvPr id="1" name=""/>
-        <p:cNvGrpSpPr/>
-        <p:nvPr/>
-      </p:nvGrpSpPr>
-      <p:grpSpPr>
-        <a:xfrm>
-          <a:off x="0" y="0"/>
-          <a:ext cx="0" cy="0"/>
-          <a:chOff x="0" y="0"/>
-          <a:chExt cx="0" cy="0"/>
-        </a:xfrm>
-      </p:grpSpPr>
-      <p:sp>
-        <p:nvSpPr>
-          <p:cNvPr id="25602" name="Rectangle 2"/>
-          <p:cNvSpPr>
-            <a:spLocks noGrp="1" noChangeArrowheads="1"/>
-          </p:cNvSpPr>
-          <p:nvPr>
-            <p:ph type="title"/>
-          </p:nvPr>
-        </p:nvSpPr>
-        <p:spPr/>
-        <p:txBody>
-          <a:bodyPr>
-            <a:normAutofit/>
-          </a:bodyPr>
-          <a:lstStyle/>
-          <a:p>
-            <a:r>
-              <a:rPr lang="en-US" sz="2000" b="1" dirty="0" smtClean="0"/>
-              <a:t>Focus on quality of work and non functional requirements</a:t>
-            </a:r>
-            <a:endParaRPr lang="en-US" sz="2000" b="1" dirty="0"/>
-          </a:p>
-        </p:txBody>
-      </p:sp>
-      <p:sp>
-        <p:nvSpPr>
-          <p:cNvPr id="25603" name="Rectangle 3"/>
-          <p:cNvSpPr>
-            <a:spLocks noGrp="1" noChangeArrowheads="1"/>
-          </p:cNvSpPr>
-          <p:nvPr>
-            <p:ph sz="quarter" idx="1"/>
-          </p:nvPr>
-        </p:nvSpPr>
-        <p:spPr>
-          <a:xfrm>
-            <a:off x="612648" y="1828800"/>
-            <a:ext cx="8153400" cy="2209800"/>
-          </a:xfrm>
-        </p:spPr>
-        <p:txBody>
-          <a:bodyPr>
-            <a:normAutofit/>
-          </a:bodyPr>
-          <a:lstStyle/>
-          <a:p>
-            <a:pPr>
-              <a:buFont typeface="Wingdings" pitchFamily="2" charset="2"/>
-              <a:buChar char="ü"/>
-            </a:pPr>
-            <a:r>
-              <a:rPr lang="en-US" sz="1800" dirty="0" smtClean="0"/>
-              <a:t>Maintain good test coverage for all our DU’s</a:t>
-            </a:r>
-          </a:p>
-          <a:p>
-            <a:pPr>
-              <a:buFont typeface="Wingdings" pitchFamily="2" charset="2"/>
-              <a:buChar char="ü"/>
-            </a:pPr>
-            <a:r>
-              <a:rPr lang="en-US" sz="1800" dirty="0" smtClean="0"/>
-              <a:t>Maintain good sonar report</a:t>
-            </a:r>
-          </a:p>
-          <a:p>
-            <a:pPr>
-              <a:buFont typeface="Wingdings" pitchFamily="2" charset="2"/>
-              <a:buChar char="ü"/>
-            </a:pPr>
-            <a:r>
-              <a:rPr lang="en-US" sz="1800" dirty="0" smtClean="0"/>
-              <a:t>Good code review comments (We are adding task for every new deployment unit . So no question of skipping it)</a:t>
-            </a:r>
-          </a:p>
-          <a:p>
-            <a:pPr>
-              <a:buFont typeface="Wingdings" pitchFamily="2" charset="2"/>
-              <a:buChar char="ü"/>
-            </a:pPr>
-            <a:r>
-              <a:rPr lang="en-US" sz="1800" dirty="0" smtClean="0"/>
-              <a:t>Ensure </a:t>
-            </a:r>
-            <a:r>
-              <a:rPr lang="en-US" sz="1800" dirty="0" err="1" smtClean="0"/>
-              <a:t>jenkins</a:t>
-            </a:r>
-            <a:r>
-              <a:rPr lang="en-US" sz="1800" dirty="0" smtClean="0"/>
-              <a:t> jobs are stable</a:t>
-            </a:r>
-          </a:p>
-        </p:txBody>
-      </p:sp>
-    </p:spTree>
-  </p:cSld>
-  <p:clrMapOvr>
-    <a:masterClrMapping/>
-  </p:clrMapOvr>
-  <p:transition spd="slow">
-    <p:wedge/>
-  </p:transition>
-  <p:timing>
-    <p:tnLst>
-      <p:par>
-        <p:cTn id="1" dur="indefinite" restart="never" nodeType="tmRoot"/>
-      </p:par>
-    </p:tnLst>
-  </p:timing>
-</p:sld>
-</file>
-
-<file path=ppt/slides/slide21.xml><?xml version="1.0" encoding="utf-8"?>
-<p:sld xmlns:a="http://schemas.openxmlformats.org/drawingml/2006/main" xmlns:r="http://schemas.openxmlformats.org/officeDocument/2006/relationships" xmlns:p="http://schemas.openxmlformats.org/presentationml/2006/main">
-  <p:cSld>
-    <p:spTree>
-      <p:nvGrpSpPr>
-        <p:cNvPr id="1" name=""/>
-        <p:cNvGrpSpPr/>
-        <p:nvPr/>
-      </p:nvGrpSpPr>
-      <p:grpSpPr>
-        <a:xfrm>
-          <a:off x="0" y="0"/>
-          <a:ext cx="0" cy="0"/>
-          <a:chOff x="0" y="0"/>
-          <a:chExt cx="0" cy="0"/>
-        </a:xfrm>
-      </p:grpSpPr>
-      <p:sp>
-        <p:nvSpPr>
-          <p:cNvPr id="25602" name="Rectangle 2"/>
-          <p:cNvSpPr>
-            <a:spLocks noGrp="1" noChangeArrowheads="1"/>
-          </p:cNvSpPr>
-          <p:nvPr>
-            <p:ph type="title"/>
-          </p:nvPr>
-        </p:nvSpPr>
-        <p:spPr/>
-        <p:txBody>
-          <a:bodyPr>
-            <a:normAutofit/>
-          </a:bodyPr>
-          <a:lstStyle/>
-          <a:p>
-            <a:r>
-              <a:rPr lang="en-US" sz="2000" b="1" dirty="0" smtClean="0"/>
-              <a:t>Focus on quality of work and non functional requirements</a:t>
-            </a:r>
-            <a:endParaRPr lang="en-US" sz="2000" b="1" dirty="0"/>
-          </a:p>
-        </p:txBody>
-      </p:sp>
-      <p:sp>
-        <p:nvSpPr>
-          <p:cNvPr id="25603" name="Rectangle 3"/>
-          <p:cNvSpPr>
-            <a:spLocks noGrp="1" noChangeArrowheads="1"/>
-          </p:cNvSpPr>
-          <p:nvPr>
-            <p:ph sz="quarter" idx="1"/>
-          </p:nvPr>
-        </p:nvSpPr>
-        <p:spPr>
-          <a:xfrm>
-            <a:off x="612648" y="1828800"/>
-            <a:ext cx="8153400" cy="2209800"/>
-          </a:xfrm>
-        </p:spPr>
-        <p:txBody>
-          <a:bodyPr>
-            <a:normAutofit/>
-          </a:bodyPr>
-          <a:lstStyle/>
-          <a:p>
-            <a:pPr>
-              <a:buFont typeface="Wingdings" pitchFamily="2" charset="2"/>
-              <a:buChar char="ü"/>
-            </a:pPr>
-            <a:r>
-              <a:rPr lang="en-US" sz="1800" dirty="0" smtClean="0"/>
-              <a:t>Maintain good test coverage for all our DU’s</a:t>
-            </a:r>
-          </a:p>
-          <a:p>
-            <a:pPr>
-              <a:buFont typeface="Wingdings" pitchFamily="2" charset="2"/>
-              <a:buChar char="ü"/>
-            </a:pPr>
-            <a:r>
-              <a:rPr lang="en-US" sz="1800" dirty="0" smtClean="0"/>
-              <a:t>Maintain good sonar report</a:t>
-            </a:r>
-          </a:p>
-          <a:p>
-            <a:pPr>
-              <a:buFont typeface="Wingdings" pitchFamily="2" charset="2"/>
-              <a:buChar char="ü"/>
-            </a:pPr>
-            <a:r>
-              <a:rPr lang="en-US" sz="1800" dirty="0" smtClean="0"/>
-              <a:t>Good code review comments (We are adding task for every new deployment unit . So no question of skipping it)</a:t>
-            </a:r>
-          </a:p>
-          <a:p>
-            <a:pPr>
-              <a:buFont typeface="Wingdings" pitchFamily="2" charset="2"/>
-              <a:buChar char="ü"/>
-            </a:pPr>
-            <a:r>
-              <a:rPr lang="en-US" sz="1800" dirty="0" smtClean="0"/>
-              <a:t>Ensure </a:t>
-            </a:r>
-            <a:r>
-              <a:rPr lang="en-US" sz="1800" dirty="0" err="1" smtClean="0"/>
-              <a:t>jenkins</a:t>
-            </a:r>
-            <a:r>
-              <a:rPr lang="en-US" sz="1800" dirty="0" smtClean="0"/>
-              <a:t> jobs are stable</a:t>
-            </a:r>
-          </a:p>
-        </p:txBody>
-      </p:sp>
-    </p:spTree>
-  </p:cSld>
-  <p:clrMapOvr>
-    <a:masterClrMapping/>
-  </p:clrMapOvr>
-  <p:transition spd="slow">
-    <p:wedge/>
-  </p:transition>
-  <p:timing>
-    <p:tnLst>
-      <p:par>
-        <p:cTn id="1" dur="indefinite" restart="never" nodeType="tmRoot"/>
-      </p:par>
-    </p:tnLst>
-  </p:timing>
-</p:sld>
-</file>
-
-<file path=ppt/slides/slide22.xml><?xml version="1.0" encoding="utf-8"?>
-<p:sld xmlns:a="http://schemas.openxmlformats.org/drawingml/2006/main" xmlns:r="http://schemas.openxmlformats.org/officeDocument/2006/relationships" xmlns:p="http://schemas.openxmlformats.org/presentationml/2006/main">
-  <p:cSld>
-    <p:spTree>
-      <p:nvGrpSpPr>
-        <p:cNvPr id="1" name=""/>
-        <p:cNvGrpSpPr/>
-        <p:nvPr/>
-      </p:nvGrpSpPr>
-      <p:grpSpPr>
-        <a:xfrm>
-          <a:off x="0" y="0"/>
-          <a:ext cx="0" cy="0"/>
-          <a:chOff x="0" y="0"/>
-          <a:chExt cx="0" cy="0"/>
-        </a:xfrm>
-      </p:grpSpPr>
-      <p:sp>
-        <p:nvSpPr>
-          <p:cNvPr id="25602" name="Rectangle 2"/>
-          <p:cNvSpPr>
-            <a:spLocks noGrp="1" noChangeArrowheads="1"/>
-          </p:cNvSpPr>
-          <p:nvPr>
-            <p:ph type="title"/>
-          </p:nvPr>
-        </p:nvSpPr>
-        <p:spPr/>
-        <p:txBody>
-          <a:bodyPr>
-            <a:normAutofit/>
-          </a:bodyPr>
-          <a:lstStyle/>
-          <a:p>
-            <a:r>
-              <a:rPr lang="en-US" sz="2000" b="1" dirty="0" smtClean="0"/>
-              <a:t>Weekly meetings</a:t>
-            </a:r>
-            <a:endParaRPr lang="en-US" sz="2000" b="1" dirty="0"/>
-          </a:p>
-        </p:txBody>
-      </p:sp>
-      <p:sp>
-        <p:nvSpPr>
-          <p:cNvPr id="25603" name="Rectangle 3"/>
-          <p:cNvSpPr>
-            <a:spLocks noGrp="1" noChangeArrowheads="1"/>
-          </p:cNvSpPr>
-          <p:nvPr>
-            <p:ph sz="quarter" idx="1"/>
-          </p:nvPr>
-        </p:nvSpPr>
-        <p:spPr>
-          <a:xfrm>
-            <a:off x="612648" y="1828800"/>
-            <a:ext cx="8153400" cy="4419600"/>
-          </a:xfrm>
-        </p:spPr>
-        <p:txBody>
-          <a:bodyPr>
-            <a:normAutofit/>
-          </a:bodyPr>
-          <a:lstStyle/>
-          <a:p>
-            <a:pPr>
-              <a:buFont typeface="Wingdings" pitchFamily="2" charset="2"/>
-              <a:buChar char="ü"/>
-            </a:pPr>
-            <a:r>
-              <a:rPr lang="en-US" sz="1800" dirty="0" smtClean="0"/>
-              <a:t>Let us add these three questions to our weekly meetings</a:t>
-            </a:r>
-          </a:p>
-          <a:p>
-            <a:pPr>
-              <a:buFont typeface="Wingdings" pitchFamily="2" charset="2"/>
-              <a:buChar char="ü"/>
-            </a:pPr>
-            <a:endParaRPr lang="en-US" sz="1800" dirty="0" smtClean="0"/>
-          </a:p>
-          <a:p>
-            <a:pPr lvl="1">
-              <a:buFont typeface="Wingdings" pitchFamily="2" charset="2"/>
-              <a:buChar char="ü"/>
-            </a:pPr>
-            <a:r>
-              <a:rPr lang="en-US" sz="1800" dirty="0" smtClean="0"/>
-              <a:t>Is our customer happy this week ?</a:t>
-            </a:r>
-          </a:p>
-          <a:p>
-            <a:pPr lvl="1">
-              <a:buFont typeface="Wingdings" pitchFamily="2" charset="2"/>
-              <a:buChar char="ü"/>
-            </a:pPr>
-            <a:r>
-              <a:rPr lang="en-US" sz="1800" dirty="0" smtClean="0"/>
-              <a:t>Did we find any new opportunities to make our customers happy ? We need to listen to our customer carefully to identify new opportunities .</a:t>
-            </a:r>
-          </a:p>
-          <a:p>
-            <a:pPr lvl="1">
-              <a:buFont typeface="Wingdings" pitchFamily="2" charset="2"/>
-              <a:buChar char="ü"/>
-            </a:pPr>
-            <a:r>
-              <a:rPr lang="en-US" sz="1800" dirty="0" smtClean="0"/>
-              <a:t>Let us acknowledge and appreciate all our team members who got appreciation mails from customer that week .</a:t>
-            </a:r>
-          </a:p>
-          <a:p>
-            <a:pPr>
-              <a:buNone/>
-            </a:pPr>
-            <a:endParaRPr lang="en-US" dirty="0" smtClean="0"/>
-          </a:p>
-          <a:p>
-            <a:pPr>
-              <a:buFont typeface="Wingdings" pitchFamily="2" charset="2"/>
-              <a:buChar char="ü"/>
-            </a:pPr>
-            <a:endParaRPr lang="en-US" dirty="0" smtClean="0"/>
           </a:p>
           <a:p>
             <a:pPr>
@@ -9809,7 +9220,7 @@
           <a:p>
             <a:r>
               <a:rPr lang="en-US" sz="2000" b="1" dirty="0" smtClean="0"/>
-              <a:t>Wiki Space</a:t>
+              <a:t>Wiki Space (Add library)</a:t>
             </a:r>
             <a:endParaRPr lang="en-US" sz="2000" b="1" dirty="0"/>
           </a:p>
@@ -9927,7 +9338,7 @@
         </p:spPr>
         <p:txBody>
           <a:bodyPr>
-            <a:normAutofit lnSpcReduction="10000"/>
+            <a:normAutofit/>
           </a:bodyPr>
           <a:lstStyle/>
           <a:p>
@@ -10076,14 +9487,24 @@
         <p:spPr>
           <a:xfrm>
             <a:off x="612648" y="1828800"/>
-            <a:ext cx="7693152" cy="3352800"/>
+            <a:ext cx="7693152" cy="3581400"/>
           </a:xfrm>
         </p:spPr>
         <p:txBody>
           <a:bodyPr>
-            <a:normAutofit lnSpcReduction="10000"/>
+            <a:normAutofit fontScale="92500" lnSpcReduction="10000"/>
           </a:bodyPr>
           <a:lstStyle/>
+          <a:p>
+            <a:pPr>
+              <a:buFont typeface="Wingdings" pitchFamily="2" charset="2"/>
+              <a:buChar char="ü"/>
+            </a:pPr>
+            <a:r>
+              <a:rPr lang="en-US" sz="1800" dirty="0" smtClean="0"/>
+              <a:t>Managers are not sharing information and employees should know about trainings that are coming up and this page will be helpful for them .</a:t>
+            </a:r>
+          </a:p>
           <a:p>
             <a:pPr>
               <a:buFont typeface="Wingdings" pitchFamily="2" charset="2"/>
@@ -10254,7 +9675,7 @@
           <a:p>
             <a:r>
               <a:rPr lang="en-US" sz="2000" b="1" dirty="0" smtClean="0"/>
-              <a:t>Focus on quality of work and non functional requirements</a:t>
+              <a:t>What after registration ?</a:t>
             </a:r>
             <a:endParaRPr lang="en-US" sz="2000" b="1" dirty="0"/>
           </a:p>
@@ -10273,7 +9694,7 @@
         <p:spPr>
           <a:xfrm>
             <a:off x="612648" y="1828800"/>
-            <a:ext cx="8153400" cy="2209800"/>
+            <a:ext cx="7693152" cy="4572000"/>
           </a:xfrm>
         </p:spPr>
         <p:txBody>
@@ -10288,7 +9709,7 @@
             </a:pPr>
             <a:r>
               <a:rPr lang="en-US" sz="1800" dirty="0" smtClean="0"/>
-              <a:t>Maintain good test coverage for all our DU’s</a:t>
+              <a:t>Schedule a training and send out a meeting request so that it is there in their calendar and they don’t miss it out .</a:t>
             </a:r>
           </a:p>
           <a:p>
@@ -10298,7 +9719,7 @@
             </a:pPr>
             <a:r>
               <a:rPr lang="en-US" sz="1800" dirty="0" smtClean="0"/>
-              <a:t>Maintain good sonar report</a:t>
+              <a:t>Attendance need to be taken for all employees who attended it .</a:t>
             </a:r>
           </a:p>
           <a:p>
@@ -10308,7 +9729,37 @@
             </a:pPr>
             <a:r>
               <a:rPr lang="en-US" sz="1800" dirty="0" smtClean="0"/>
-              <a:t>Good code review comments (We are adding task for every new deployment unit . So no question of skipping it)</a:t>
+              <a:t>Conduct a online survey for all the employees who attended training asking three simple questions</a:t>
+            </a:r>
+          </a:p>
+          <a:p>
+            <a:pPr lvl="1">
+              <a:buFont typeface="Wingdings" pitchFamily="2" charset="2"/>
+              <a:buChar char="ü"/>
+            </a:pPr>
+            <a:r>
+              <a:rPr lang="en-US" sz="1500" dirty="0" smtClean="0"/>
+              <a:t> Good points in presentation </a:t>
+            </a:r>
+          </a:p>
+          <a:p>
+            <a:pPr lvl="1">
+              <a:buFont typeface="Wingdings" pitchFamily="2" charset="2"/>
+              <a:buChar char="ü"/>
+            </a:pPr>
+            <a:r>
+              <a:rPr lang="en-US" sz="1500" dirty="0" smtClean="0"/>
+              <a:t>Areas of improvement</a:t>
+            </a:r>
+          </a:p>
+          <a:p>
+            <a:pPr lvl="1">
+              <a:buFont typeface="Wingdings" pitchFamily="2" charset="2"/>
+              <a:buChar char="ü"/>
+            </a:pPr>
+            <a:r>
+              <a:rPr lang="en-US" sz="1500" dirty="0" smtClean="0"/>
+              <a:t>Overall rating </a:t>
             </a:r>
           </a:p>
           <a:p>
@@ -10318,16 +9769,30 @@
             </a:pPr>
             <a:r>
               <a:rPr lang="en-US" sz="1800" dirty="0" smtClean="0"/>
-              <a:t>Ensure </a:t>
-            </a:r>
-            <a:r>
-              <a:rPr lang="en-US" sz="1800" dirty="0" err="1" smtClean="0"/>
-              <a:t>jenkins</a:t>
-            </a:r>
+              <a:t>It is mandatory for an employee to attend session completely and fill survey form to get it registered with learning department </a:t>
+            </a:r>
+          </a:p>
+          <a:p>
+            <a:pPr>
+              <a:buFont typeface="Wingdings" pitchFamily="2" charset="2"/>
+              <a:buChar char="ü"/>
+            </a:pPr>
             <a:r>
               <a:rPr lang="en-US" sz="1800" dirty="0" smtClean="0"/>
-              <a:t> jobs are stable</a:t>
-            </a:r>
+              <a:t>Next step is to go to completed trainings and fill it out</a:t>
+            </a:r>
+          </a:p>
+          <a:p>
+            <a:pPr>
+              <a:buNone/>
+            </a:pPr>
+            <a:endParaRPr lang="en-US" sz="1800" dirty="0" smtClean="0"/>
+          </a:p>
+          <a:p>
+            <a:pPr>
+              <a:buNone/>
+            </a:pPr>
+            <a:endParaRPr lang="en-US" sz="1800" dirty="0" smtClean="0"/>
           </a:p>
         </p:txBody>
       </p:sp>
@@ -10385,7 +9850,7 @@
           <a:p>
             <a:r>
               <a:rPr lang="en-US" sz="2000" b="1" dirty="0" smtClean="0"/>
-              <a:t>Focus on quality of work and non functional requirements</a:t>
+              <a:t>Completed Trainings</a:t>
             </a:r>
             <a:endParaRPr lang="en-US" sz="2000" b="1" dirty="0"/>
           </a:p>
@@ -10404,12 +9869,12 @@
         <p:spPr>
           <a:xfrm>
             <a:off x="612648" y="1828800"/>
-            <a:ext cx="8153400" cy="2209800"/>
+            <a:ext cx="7693152" cy="4572000"/>
           </a:xfrm>
         </p:spPr>
         <p:txBody>
           <a:bodyPr>
-            <a:normAutofit/>
+            <a:normAutofit fontScale="92500" lnSpcReduction="20000"/>
           </a:bodyPr>
           <a:lstStyle/>
           <a:p>
@@ -10419,7 +9884,7 @@
             </a:pPr>
             <a:r>
               <a:rPr lang="en-US" sz="1800" dirty="0" smtClean="0"/>
-              <a:t>Maintain good test coverage for all our DU’s</a:t>
+              <a:t>All completed trainings need to tracked here</a:t>
             </a:r>
           </a:p>
           <a:p>
@@ -10429,7 +9894,105 @@
             </a:pPr>
             <a:r>
               <a:rPr lang="en-US" sz="1800" dirty="0" smtClean="0"/>
-              <a:t>Maintain good sonar report</a:t>
+              <a:t>This can be in the form of table with columns as </a:t>
+            </a:r>
+          </a:p>
+          <a:p>
+            <a:pPr lvl="1">
+              <a:buFont typeface="Wingdings" pitchFamily="2" charset="2"/>
+              <a:buChar char="ü"/>
+            </a:pPr>
+            <a:r>
+              <a:rPr lang="en-US" sz="1500" dirty="0" smtClean="0"/>
+              <a:t>S.No</a:t>
+            </a:r>
+          </a:p>
+          <a:p>
+            <a:pPr lvl="1">
+              <a:buFont typeface="Wingdings" pitchFamily="2" charset="2"/>
+              <a:buChar char="ü"/>
+            </a:pPr>
+            <a:r>
+              <a:rPr lang="en-US" sz="1500" dirty="0" smtClean="0"/>
+              <a:t>Presentation topic</a:t>
+            </a:r>
+          </a:p>
+          <a:p>
+            <a:pPr lvl="1">
+              <a:buFont typeface="Wingdings" pitchFamily="2" charset="2"/>
+              <a:buChar char="ü"/>
+            </a:pPr>
+            <a:r>
+              <a:rPr lang="en-US" sz="1500" dirty="0" smtClean="0"/>
+              <a:t>Presenter</a:t>
+            </a:r>
+          </a:p>
+          <a:p>
+            <a:pPr lvl="1">
+              <a:buFont typeface="Wingdings" pitchFamily="2" charset="2"/>
+              <a:buChar char="ü"/>
+            </a:pPr>
+            <a:r>
+              <a:rPr lang="en-US" sz="1500" dirty="0" smtClean="0"/>
+              <a:t>Completion date</a:t>
+            </a:r>
+          </a:p>
+          <a:p>
+            <a:pPr lvl="1">
+              <a:buFont typeface="Wingdings" pitchFamily="2" charset="2"/>
+              <a:buChar char="ü"/>
+            </a:pPr>
+            <a:r>
+              <a:rPr lang="en-US" sz="1500" dirty="0" smtClean="0"/>
+              <a:t>Link to download PPT</a:t>
+            </a:r>
+          </a:p>
+          <a:p>
+            <a:pPr lvl="1">
+              <a:buFont typeface="Wingdings" pitchFamily="2" charset="2"/>
+              <a:buChar char="ü"/>
+            </a:pPr>
+            <a:r>
+              <a:rPr lang="en-US" sz="1500" dirty="0" smtClean="0"/>
+              <a:t>Link to run video if available</a:t>
+            </a:r>
+          </a:p>
+          <a:p>
+            <a:pPr lvl="1">
+              <a:buFont typeface="Wingdings" pitchFamily="2" charset="2"/>
+              <a:buChar char="ü"/>
+            </a:pPr>
+            <a:r>
+              <a:rPr lang="en-US" sz="1500" dirty="0" smtClean="0"/>
+              <a:t>No of attendees</a:t>
+            </a:r>
+          </a:p>
+          <a:p>
+            <a:pPr lvl="1">
+              <a:buFont typeface="Wingdings" pitchFamily="2" charset="2"/>
+              <a:buChar char="ü"/>
+            </a:pPr>
+            <a:r>
+              <a:rPr lang="en-US" sz="1500" dirty="0" smtClean="0"/>
+              <a:t>Average rating received</a:t>
+            </a:r>
+          </a:p>
+          <a:p>
+            <a:pPr lvl="1">
+              <a:buFont typeface="Wingdings" pitchFamily="2" charset="2"/>
+              <a:buChar char="ü"/>
+            </a:pPr>
+            <a:r>
+              <a:rPr lang="en-US" sz="1500" dirty="0" smtClean="0"/>
+              <a:t>Link that points to all the feedback received without names (Should be accessed only </a:t>
+            </a:r>
+            <a:r>
+              <a:rPr lang="en-US" sz="1500" smtClean="0"/>
+              <a:t>by presenter </a:t>
+            </a:r>
+            <a:r>
+              <a:rPr lang="en-US" sz="1500" dirty="0" smtClean="0"/>
+              <a:t>)</a:t>
             </a:r>
           </a:p>
           <a:p>
@@ -10439,7 +10002,11 @@
             </a:pPr>
             <a:r>
               <a:rPr lang="en-US" sz="1800" dirty="0" smtClean="0"/>
-              <a:t>Good code review comments (We are adding task for every new deployment unit . So no question of skipping it)</a:t>
+              <a:t>If there is good feedback on the training then Learning department should drop a mail to their manager and AVP appreciating the efforts of employee . This will make him repeat the act</a:t>
+            </a:r>
+            <a:r>
+              <a:rPr lang="en-US" sz="1800" b="1" dirty="0" smtClean="0"/>
+              <a:t>. Recognizing employees is one best way to make him repeat another good presentation </a:t>
             </a:r>
           </a:p>
           <a:p>
@@ -10449,16 +10016,28 @@
             </a:pPr>
             <a:r>
               <a:rPr lang="en-US" sz="1800" dirty="0" smtClean="0"/>
-              <a:t>Ensure </a:t>
-            </a:r>
-            <a:r>
-              <a:rPr lang="en-US" sz="1800" dirty="0" err="1" smtClean="0"/>
-              <a:t>jenkins</a:t>
-            </a:r>
-            <a:r>
-              <a:rPr lang="en-US" sz="1800" dirty="0" smtClean="0"/>
-              <a:t> jobs are stable</a:t>
-            </a:r>
+              <a:t>If feedback is not proper share with employee and leave it . Don’t share with manager.</a:t>
+            </a:r>
+          </a:p>
+          <a:p>
+            <a:pPr>
+              <a:buFont typeface="Wingdings" pitchFamily="2" charset="2"/>
+              <a:buChar char="ü"/>
+            </a:pPr>
+            <a:endParaRPr lang="en-US" sz="1800" dirty="0" smtClean="0"/>
+          </a:p>
+          <a:p>
+            <a:pPr>
+              <a:buFont typeface="Wingdings" pitchFamily="2" charset="2"/>
+              <a:buChar char="ü"/>
+            </a:pPr>
+            <a:endParaRPr lang="en-US" sz="1800" dirty="0" smtClean="0"/>
+          </a:p>
+          <a:p>
+            <a:pPr>
+              <a:buNone/>
+            </a:pPr>
+            <a:endParaRPr lang="en-US" sz="1800" dirty="0" smtClean="0"/>
           </a:p>
         </p:txBody>
       </p:sp>
@@ -10516,7 +10095,7 @@
           <a:p>
             <a:r>
               <a:rPr lang="en-US" sz="2000" b="1" dirty="0" smtClean="0"/>
-              <a:t>Focus on quality of work and non functional requirements</a:t>
+              <a:t>Request for training</a:t>
             </a:r>
             <a:endParaRPr lang="en-US" sz="2000" b="1" dirty="0"/>
           </a:p>
@@ -10535,7 +10114,7 @@
         <p:spPr>
           <a:xfrm>
             <a:off x="612648" y="1828800"/>
-            <a:ext cx="8153400" cy="2209800"/>
+            <a:ext cx="7693152" cy="4572000"/>
           </a:xfrm>
         </p:spPr>
         <p:txBody>
@@ -10549,8 +10128,8 @@
               <a:buChar char="ü"/>
             </a:pPr>
             <a:r>
-              <a:rPr lang="en-US" sz="1800" dirty="0" smtClean="0"/>
-              <a:t>Maintain good test coverage for all our DU’s</a:t>
+              <a:rPr lang="en-IN" sz="1800" dirty="0" smtClean="0"/>
+              <a:t>This page is like a product backlog list.</a:t>
             </a:r>
           </a:p>
           <a:p>
@@ -10559,8 +10138,49 @@
               <a:buChar char="ü"/>
             </a:pPr>
             <a:r>
-              <a:rPr lang="en-US" sz="1800" dirty="0" smtClean="0"/>
-              <a:t>Maintain good sonar report</a:t>
+              <a:rPr lang="en-IN" sz="1800" dirty="0" smtClean="0"/>
+              <a:t>There should be a link to raise a request for training . All the raised requests need to be traced and Topics requested which are not fulfilled need to be displayed on this page . This can be in the form of table with columns as </a:t>
+            </a:r>
+          </a:p>
+          <a:p>
+            <a:pPr lvl="1">
+              <a:buFont typeface="Wingdings" pitchFamily="2" charset="2"/>
+              <a:buChar char="ü"/>
+            </a:pPr>
+            <a:r>
+              <a:rPr lang="en-IN" sz="1500" dirty="0" err="1" smtClean="0"/>
+              <a:t>S.No</a:t>
+            </a:r>
+            <a:endParaRPr lang="en-IN" sz="1500" dirty="0" smtClean="0"/>
+          </a:p>
+          <a:p>
+            <a:pPr lvl="1">
+              <a:buFont typeface="Wingdings" pitchFamily="2" charset="2"/>
+              <a:buChar char="ü"/>
+            </a:pPr>
+            <a:r>
+              <a:rPr lang="en-IN" sz="1500" dirty="0" smtClean="0"/>
+              <a:t>Topic Requested</a:t>
+            </a:r>
+          </a:p>
+          <a:p>
+            <a:pPr lvl="1">
+              <a:buFont typeface="Wingdings" pitchFamily="2" charset="2"/>
+              <a:buChar char="ü"/>
+            </a:pPr>
+            <a:r>
+              <a:rPr lang="en-IN" sz="1500" dirty="0" smtClean="0"/>
+              <a:t>Pending Since</a:t>
+            </a:r>
+          </a:p>
+          <a:p>
+            <a:pPr lvl="1">
+              <a:buFont typeface="Wingdings" pitchFamily="2" charset="2"/>
+              <a:buChar char="ü"/>
+            </a:pPr>
+            <a:r>
+              <a:rPr lang="en-IN" sz="1500" dirty="0" smtClean="0"/>
+              <a:t>Number of employees requested</a:t>
             </a:r>
           </a:p>
           <a:p>
@@ -10569,8 +10189,8 @@
               <a:buChar char="ü"/>
             </a:pPr>
             <a:r>
-              <a:rPr lang="en-US" sz="1800" dirty="0" smtClean="0"/>
-              <a:t>Good code review comments (We are adding task for every new deployment unit . So no question of skipping it)</a:t>
+              <a:rPr lang="en-IN" sz="1800" dirty="0" smtClean="0"/>
+              <a:t>Topic  that are fulfilled need to be removed from this page</a:t>
             </a:r>
           </a:p>
           <a:p>
@@ -10578,18 +10198,13 @@
               <a:buFont typeface="Wingdings" pitchFamily="2" charset="2"/>
               <a:buChar char="ü"/>
             </a:pPr>
-            <a:r>
-              <a:rPr lang="en-US" sz="1800" dirty="0" smtClean="0"/>
-              <a:t>Ensure </a:t>
-            </a:r>
-            <a:r>
-              <a:rPr lang="en-US" sz="1800" dirty="0" err="1" smtClean="0"/>
-              <a:t>jenkins</a:t>
-            </a:r>
-            <a:r>
-              <a:rPr lang="en-US" sz="1800" dirty="0" smtClean="0"/>
-              <a:t> jobs are stable</a:t>
-            </a:r>
+            <a:endParaRPr lang="en-US" sz="1800" dirty="0" smtClean="0"/>
+          </a:p>
+          <a:p>
+            <a:pPr>
+              <a:buNone/>
+            </a:pPr>
+            <a:endParaRPr lang="en-US" sz="1800" dirty="0" smtClean="0"/>
           </a:p>
         </p:txBody>
       </p:sp>

--- a/Prokarma/Customer Satisfaction.pptx
+++ b/Prokarma/Customer Satisfaction.pptx
@@ -10,19 +10,20 @@
     <p:sldId id="274" r:id="rId7"/>
     <p:sldId id="283" r:id="rId8"/>
     <p:sldId id="288" r:id="rId9"/>
-    <p:sldId id="289" r:id="rId10"/>
-    <p:sldId id="290" r:id="rId11"/>
-    <p:sldId id="309" r:id="rId12"/>
-    <p:sldId id="310" r:id="rId13"/>
-    <p:sldId id="311" r:id="rId14"/>
-    <p:sldId id="312" r:id="rId15"/>
-    <p:sldId id="313" r:id="rId16"/>
-    <p:sldId id="314" r:id="rId17"/>
-    <p:sldId id="315" r:id="rId18"/>
-    <p:sldId id="316" r:id="rId19"/>
-    <p:sldId id="317" r:id="rId20"/>
-    <p:sldId id="318" r:id="rId21"/>
-    <p:sldId id="319" r:id="rId22"/>
+    <p:sldId id="320" r:id="rId10"/>
+    <p:sldId id="289" r:id="rId11"/>
+    <p:sldId id="290" r:id="rId12"/>
+    <p:sldId id="309" r:id="rId13"/>
+    <p:sldId id="310" r:id="rId14"/>
+    <p:sldId id="311" r:id="rId15"/>
+    <p:sldId id="312" r:id="rId16"/>
+    <p:sldId id="313" r:id="rId17"/>
+    <p:sldId id="314" r:id="rId18"/>
+    <p:sldId id="315" r:id="rId19"/>
+    <p:sldId id="316" r:id="rId20"/>
+    <p:sldId id="317" r:id="rId21"/>
+    <p:sldId id="318" r:id="rId22"/>
+    <p:sldId id="319" r:id="rId23"/>
   </p:sldIdLst>
   <p:sldSz cx="9144000" cy="6858000" type="screen4x3"/>
   <p:notesSz cx="6858000" cy="9144000"/>
@@ -7636,18 +7637,7 @@
                 <a:ea typeface="+mj-ea"/>
                 <a:cs typeface="+mj-cs"/>
               </a:rPr>
-              <a:t>- Anil </a:t>
-            </a:r>
-            <a:r>
-              <a:rPr lang="en-US" sz="2000" b="1" dirty="0" smtClean="0">
-                <a:solidFill>
-                  <a:schemeClr val="tx1"/>
-                </a:solidFill>
-                <a:latin typeface="+mj-lt"/>
-                <a:ea typeface="+mj-ea"/>
-                <a:cs typeface="+mj-cs"/>
-              </a:rPr>
-              <a:t>Sakala</a:t>
+              <a:t>- Anil Sakala</a:t>
             </a:r>
             <a:endParaRPr lang="en-US" sz="2000" b="1" dirty="0">
               <a:solidFill>
@@ -7742,7 +7732,7 @@
           <a:p>
             <a:r>
               <a:rPr lang="en-US" sz="2000" b="1" dirty="0" smtClean="0"/>
-              <a:t>I want to train</a:t>
+              <a:t>Request for training</a:t>
             </a:r>
             <a:endParaRPr lang="en-US" sz="2000" b="1" dirty="0"/>
           </a:p>
@@ -7775,8 +7765,18 @@
               <a:buChar char="ü"/>
             </a:pPr>
             <a:r>
-              <a:rPr lang="en-US" sz="1800" dirty="0" smtClean="0"/>
-              <a:t>Detailed list of guidelines for trainer</a:t>
+              <a:rPr lang="en-IN" sz="1800" dirty="0" smtClean="0"/>
+              <a:t>This page is like a product backlog list.</a:t>
+            </a:r>
+          </a:p>
+          <a:p>
+            <a:pPr>
+              <a:buFont typeface="Wingdings" pitchFamily="2" charset="2"/>
+              <a:buChar char="ü"/>
+            </a:pPr>
+            <a:r>
+              <a:rPr lang="en-IN" sz="1800" dirty="0" smtClean="0"/>
+              <a:t>There should be a link to raise a request for training . All the raised requests need to be traced and Topics requested which are not fulfilled need to be displayed on this page . This can be in the form of table with columns as </a:t>
             </a:r>
           </a:p>
           <a:p>
@@ -7785,9 +7785,10 @@
               <a:buChar char="ü"/>
             </a:pPr>
             <a:r>
-              <a:rPr lang="en-US" sz="1500" dirty="0" smtClean="0"/>
-              <a:t>Minimum take</a:t>
-            </a:r>
+              <a:rPr lang="en-IN" sz="1500" dirty="0" err="1" smtClean="0"/>
+              <a:t>S.No</a:t>
+            </a:r>
+            <a:endParaRPr lang="en-IN" sz="1500" dirty="0" smtClean="0"/>
           </a:p>
           <a:p>
             <a:pPr lvl="1">
@@ -7795,8 +7796,8 @@
               <a:buChar char="ü"/>
             </a:pPr>
             <a:r>
-              <a:rPr lang="en-US" sz="1500" dirty="0" smtClean="0"/>
-              <a:t>Expected quality of session</a:t>
+              <a:rPr lang="en-IN" sz="1500" dirty="0" smtClean="0"/>
+              <a:t>Topic Requested</a:t>
             </a:r>
           </a:p>
           <a:p>
@@ -7805,8 +7806,18 @@
               <a:buChar char="ü"/>
             </a:pPr>
             <a:r>
-              <a:rPr lang="en-US" sz="1500" dirty="0" smtClean="0"/>
-              <a:t>He must aware of the feedback process and average rating values</a:t>
+              <a:rPr lang="en-IN" sz="1500" dirty="0" smtClean="0"/>
+              <a:t>Pending Since</a:t>
+            </a:r>
+          </a:p>
+          <a:p>
+            <a:pPr lvl="1">
+              <a:buFont typeface="Wingdings" pitchFamily="2" charset="2"/>
+              <a:buChar char="ü"/>
+            </a:pPr>
+            <a:r>
+              <a:rPr lang="en-IN" sz="1500" dirty="0" smtClean="0"/>
+              <a:t>Number of employees requested</a:t>
             </a:r>
           </a:p>
           <a:p>
@@ -7815,8 +7826,8 @@
               <a:buChar char="ü"/>
             </a:pPr>
             <a:r>
-              <a:rPr lang="en-US" sz="1800" dirty="0" smtClean="0"/>
-              <a:t>Mail details of the person to be contacted to make a session</a:t>
+              <a:rPr lang="en-IN" sz="1800" dirty="0" smtClean="0"/>
+              <a:t>Topic  that are fulfilled need to be removed from this page</a:t>
             </a:r>
           </a:p>
           <a:p>
@@ -7888,7 +7899,7 @@
           <a:p>
             <a:r>
               <a:rPr lang="en-US" sz="2000" b="1" dirty="0" smtClean="0"/>
-              <a:t>Trainers in Prokarma</a:t>
+              <a:t>I want to train</a:t>
             </a:r>
             <a:endParaRPr lang="en-US" sz="2000" b="1" dirty="0"/>
           </a:p>
@@ -7922,7 +7933,37 @@
             </a:pPr>
             <a:r>
               <a:rPr lang="en-US" sz="1800" dirty="0" smtClean="0"/>
-              <a:t>Main purpose of this page is to motivate employees and make them feel proud about the training work that is made</a:t>
+              <a:t>Detailed list of guidelines for trainer</a:t>
+            </a:r>
+          </a:p>
+          <a:p>
+            <a:pPr lvl="1">
+              <a:buFont typeface="Wingdings" pitchFamily="2" charset="2"/>
+              <a:buChar char="ü"/>
+            </a:pPr>
+            <a:r>
+              <a:rPr lang="en-US" sz="1500" dirty="0" smtClean="0"/>
+              <a:t>Minimum take</a:t>
+            </a:r>
+          </a:p>
+          <a:p>
+            <a:pPr lvl="1">
+              <a:buFont typeface="Wingdings" pitchFamily="2" charset="2"/>
+              <a:buChar char="ü"/>
+            </a:pPr>
+            <a:r>
+              <a:rPr lang="en-US" sz="1500" dirty="0" smtClean="0"/>
+              <a:t>Expected quality of session</a:t>
+            </a:r>
+          </a:p>
+          <a:p>
+            <a:pPr lvl="1">
+              <a:buFont typeface="Wingdings" pitchFamily="2" charset="2"/>
+              <a:buChar char="ü"/>
+            </a:pPr>
+            <a:r>
+              <a:rPr lang="en-US" sz="1500" dirty="0" smtClean="0"/>
+              <a:t>He must aware of the feedback process and average rating values</a:t>
             </a:r>
           </a:p>
           <a:p>
@@ -7932,7 +7973,7 @@
             </a:pPr>
             <a:r>
               <a:rPr lang="en-US" sz="1800" dirty="0" smtClean="0"/>
-              <a:t>We need to display photos of all trainers who got average decent rating (3.5 and above ) and contribution made by them to training department. This approach will increase their visibility and make them feel proud.</a:t>
+              <a:t>Mail details of the person to be contacted to make a session</a:t>
             </a:r>
           </a:p>
           <a:p>
@@ -8004,7 +8045,7 @@
           <a:p>
             <a:r>
               <a:rPr lang="en-US" sz="2000" b="1" dirty="0" smtClean="0"/>
-              <a:t>Awards &amp; Rewards</a:t>
+              <a:t>Trainers in Prokarma</a:t>
             </a:r>
             <a:endParaRPr lang="en-US" sz="2000" b="1" dirty="0"/>
           </a:p>
@@ -8038,7 +8079,7 @@
             </a:pPr>
             <a:r>
               <a:rPr lang="en-US" sz="1800" dirty="0" smtClean="0"/>
-              <a:t>We have to come out with clear guidelines to give award for employees who have made outstanding contribution to learning department.</a:t>
+              <a:t>Main purpose of this page is to motivate employees and make them feel proud about the training work that is made</a:t>
             </a:r>
           </a:p>
           <a:p>
@@ -8048,14 +8089,8 @@
             </a:pPr>
             <a:r>
               <a:rPr lang="en-US" sz="1800" dirty="0" smtClean="0"/>
-              <a:t>All norms and conditions for getting award need to be displayed on this page and also list to employees who received award need to be displayed.</a:t>
-            </a:r>
-          </a:p>
-          <a:p>
-            <a:pPr>
-              <a:buNone/>
-            </a:pPr>
-            <a:endParaRPr lang="en-US" sz="1800" dirty="0" smtClean="0"/>
+              <a:t>We need to display photos of all trainers who got average decent rating (3.5 and above ) and contribution made by them to training department. This approach will increase their visibility and make them feel proud.</a:t>
+            </a:r>
           </a:p>
           <a:p>
             <a:pPr>
@@ -8126,7 +8161,7 @@
           <a:p>
             <a:r>
               <a:rPr lang="en-US" sz="2000" b="1" dirty="0" smtClean="0"/>
-              <a:t>E-book / Online text / Videos</a:t>
+              <a:t>Awards &amp; Rewards</a:t>
             </a:r>
             <a:endParaRPr lang="en-US" sz="2000" b="1" dirty="0"/>
           </a:p>
@@ -8160,7 +8195,7 @@
             </a:pPr>
             <a:r>
               <a:rPr lang="en-US" sz="1800" dirty="0" smtClean="0"/>
-              <a:t>Main source of learning today is e-book. For any topic there are just two or three good books and tracking those books on a single page will be useful information . I have seen few employees asking me for a good book on a specific technology .</a:t>
+              <a:t>We have to come out with clear guidelines to give award for employees who have made outstanding contribution to learning department.</a:t>
             </a:r>
           </a:p>
           <a:p>
@@ -8170,28 +8205,14 @@
             </a:pPr>
             <a:r>
               <a:rPr lang="en-US" sz="1800" dirty="0" smtClean="0"/>
-              <a:t>I have any idea about format that need to be followed . I will share n meeting</a:t>
+              <a:t>All norms and conditions for getting award need to be displayed on this page and also list to employees who received award need to be displayed.</a:t>
             </a:r>
           </a:p>
           <a:p>
             <a:pPr>
-              <a:buFont typeface="Wingdings" pitchFamily="2" charset="2"/>
-              <a:buChar char="ü"/>
-            </a:pPr>
-            <a:r>
-              <a:rPr lang="en-US" sz="1800" dirty="0" smtClean="0"/>
-              <a:t>On similar lines we have to go for online text and videos</a:t>
-            </a:r>
-          </a:p>
-          <a:p>
-            <a:pPr>
-              <a:buFont typeface="Wingdings" pitchFamily="2" charset="2"/>
-              <a:buChar char="ü"/>
-            </a:pPr>
-            <a:r>
-              <a:rPr lang="en-US" sz="1800" dirty="0" smtClean="0"/>
-              <a:t>Employee participation is required here . I will talk in last slide</a:t>
-            </a:r>
+              <a:buNone/>
+            </a:pPr>
+            <a:endParaRPr lang="en-US" sz="1800" dirty="0" smtClean="0"/>
           </a:p>
           <a:p>
             <a:pPr>
@@ -8262,7 +8283,7 @@
           <a:p>
             <a:r>
               <a:rPr lang="en-US" sz="2000" b="1" dirty="0" smtClean="0"/>
-              <a:t>Certification Mentors</a:t>
+              <a:t>E-book / Online text / Videos</a:t>
             </a:r>
             <a:endParaRPr lang="en-US" sz="2000" b="1" dirty="0"/>
           </a:p>
@@ -8296,7 +8317,7 @@
             </a:pPr>
             <a:r>
               <a:rPr lang="en-US" sz="1800" dirty="0" smtClean="0"/>
-              <a:t>We want our employees to do certification  and they look for some with whom they can talk and understand process for getting certified.</a:t>
+              <a:t>Main source of learning today is e-book. For any topic there are just two or three good books and tracking those books on a single page will be useful information . I have seen few employees asking me for a good book on a specific technology .</a:t>
             </a:r>
           </a:p>
           <a:p>
@@ -8306,7 +8327,7 @@
             </a:pPr>
             <a:r>
               <a:rPr lang="en-US" sz="1800" dirty="0" smtClean="0"/>
-              <a:t>This page should help such employees</a:t>
+              <a:t>I have any idea about format that need to be followed . I will share n meeting</a:t>
             </a:r>
           </a:p>
           <a:p>
@@ -8316,20 +8337,18 @@
             </a:pPr>
             <a:r>
               <a:rPr lang="en-US" sz="1800" dirty="0" smtClean="0"/>
-              <a:t>Identify employees who have done certifications and if they are willing to mentor or guide people we can add them to this page</a:t>
+              <a:t>On similar lines we have to go for online text and videos</a:t>
             </a:r>
           </a:p>
           <a:p>
             <a:pPr>
-              <a:buNone/>
-            </a:pPr>
-            <a:endParaRPr lang="en-US" sz="1800" dirty="0" smtClean="0"/>
-          </a:p>
-          <a:p>
-            <a:pPr lvl="1">
-              <a:buNone/>
-            </a:pPr>
-            <a:endParaRPr lang="en-US" sz="1800" dirty="0" smtClean="0"/>
+              <a:buFont typeface="Wingdings" pitchFamily="2" charset="2"/>
+              <a:buChar char="ü"/>
+            </a:pPr>
+            <a:r>
+              <a:rPr lang="en-US" sz="1800" dirty="0" smtClean="0"/>
+              <a:t>Employee participation is required here . I will talk in last slide</a:t>
+            </a:r>
           </a:p>
           <a:p>
             <a:pPr>
@@ -8400,7 +8419,7 @@
           <a:p>
             <a:r>
               <a:rPr lang="en-US" sz="2000" b="1" dirty="0" smtClean="0"/>
-              <a:t>Recommended Certifications</a:t>
+              <a:t>Certification Mentors</a:t>
             </a:r>
             <a:endParaRPr lang="en-US" sz="2000" b="1" dirty="0"/>
           </a:p>
@@ -8434,7 +8453,7 @@
             </a:pPr>
             <a:r>
               <a:rPr lang="en-US" sz="1800" dirty="0" smtClean="0"/>
-              <a:t>All certifications as recommended by prokarma for both technical and technical areas should be displayed here .</a:t>
+              <a:t>We want our employees to do certification  and they look for some with whom they can talk and understand process for getting certified.</a:t>
             </a:r>
           </a:p>
           <a:p>
@@ -8444,7 +8463,7 @@
             </a:pPr>
             <a:r>
               <a:rPr lang="en-US" sz="1800" dirty="0" smtClean="0"/>
-              <a:t>Clear direction about certifications is present here </a:t>
+              <a:t>This page should help such employees</a:t>
             </a:r>
           </a:p>
           <a:p>
@@ -8454,15 +8473,8 @@
             </a:pPr>
             <a:r>
               <a:rPr lang="en-US" sz="1800" dirty="0" smtClean="0"/>
-              <a:t>Few certification that are inline with organization goals need to be documented here</a:t>
-            </a:r>
-          </a:p>
-          <a:p>
-            <a:pPr>
-              <a:buFont typeface="Wingdings" pitchFamily="2" charset="2"/>
-              <a:buChar char="ü"/>
-            </a:pPr>
-            <a:endParaRPr lang="en-US" sz="1800" dirty="0" smtClean="0"/>
+              <a:t>Identify employees who have done certifications and if they are willing to mentor or guide people we can add them to this page</a:t>
+            </a:r>
           </a:p>
           <a:p>
             <a:pPr>
@@ -8545,7 +8557,7 @@
           <a:p>
             <a:r>
               <a:rPr lang="en-US" sz="2000" b="1" dirty="0" smtClean="0"/>
-              <a:t>Certified employees in prokarma</a:t>
+              <a:t>Recommended Certifications</a:t>
             </a:r>
             <a:endParaRPr lang="en-US" sz="2000" b="1" dirty="0"/>
           </a:p>
@@ -8579,7 +8591,7 @@
             </a:pPr>
             <a:r>
               <a:rPr lang="en-US" sz="1800" dirty="0" smtClean="0"/>
-              <a:t>Contains all employee who have done certification in technical / project management related areas .</a:t>
+              <a:t>All certifications as recommended by prokarma for both technical and technical areas should be displayed here .</a:t>
             </a:r>
           </a:p>
           <a:p>
@@ -8589,7 +8601,7 @@
             </a:pPr>
             <a:r>
               <a:rPr lang="en-US" sz="1800" dirty="0" smtClean="0"/>
-              <a:t>Make employees feel proud about their certifications </a:t>
+              <a:t>Clear direction about certifications is present here </a:t>
             </a:r>
           </a:p>
           <a:p>
@@ -8599,15 +8611,8 @@
             </a:pPr>
             <a:r>
               <a:rPr lang="en-US" sz="1800" dirty="0" smtClean="0"/>
-              <a:t>Best way to sell our technical competencies to new customers.</a:t>
-            </a:r>
-          </a:p>
-          <a:p>
-            <a:pPr>
-              <a:buFont typeface="Wingdings" pitchFamily="2" charset="2"/>
-              <a:buChar char="ü"/>
-            </a:pPr>
-            <a:endParaRPr lang="en-US" sz="1800" dirty="0" smtClean="0"/>
+              <a:t>Few certification that are inline with organization goals need to be documented here</a:t>
+            </a:r>
           </a:p>
           <a:p>
             <a:pPr>
@@ -8662,6 +8667,158 @@
 </file>
 
 <file path=ppt/slides/slide17.xml><?xml version="1.0" encoding="utf-8"?>
+<p:sld xmlns:a="http://schemas.openxmlformats.org/drawingml/2006/main" xmlns:r="http://schemas.openxmlformats.org/officeDocument/2006/relationships" xmlns:p="http://schemas.openxmlformats.org/presentationml/2006/main">
+  <p:cSld>
+    <p:spTree>
+      <p:nvGrpSpPr>
+        <p:cNvPr id="1" name=""/>
+        <p:cNvGrpSpPr/>
+        <p:nvPr/>
+      </p:nvGrpSpPr>
+      <p:grpSpPr>
+        <a:xfrm>
+          <a:off x="0" y="0"/>
+          <a:ext cx="0" cy="0"/>
+          <a:chOff x="0" y="0"/>
+          <a:chExt cx="0" cy="0"/>
+        </a:xfrm>
+      </p:grpSpPr>
+      <p:sp>
+        <p:nvSpPr>
+          <p:cNvPr id="25602" name="Rectangle 2"/>
+          <p:cNvSpPr>
+            <a:spLocks noGrp="1" noChangeArrowheads="1"/>
+          </p:cNvSpPr>
+          <p:nvPr>
+            <p:ph type="title"/>
+          </p:nvPr>
+        </p:nvSpPr>
+        <p:spPr/>
+        <p:txBody>
+          <a:bodyPr>
+            <a:normAutofit/>
+          </a:bodyPr>
+          <a:lstStyle/>
+          <a:p>
+            <a:r>
+              <a:rPr lang="en-US" sz="2000" b="1" dirty="0" smtClean="0"/>
+              <a:t>Certified employees in prokarma</a:t>
+            </a:r>
+            <a:endParaRPr lang="en-US" sz="2000" b="1" dirty="0"/>
+          </a:p>
+        </p:txBody>
+      </p:sp>
+      <p:sp>
+        <p:nvSpPr>
+          <p:cNvPr id="25603" name="Rectangle 3"/>
+          <p:cNvSpPr>
+            <a:spLocks noGrp="1" noChangeArrowheads="1"/>
+          </p:cNvSpPr>
+          <p:nvPr>
+            <p:ph sz="quarter" idx="1"/>
+          </p:nvPr>
+        </p:nvSpPr>
+        <p:spPr>
+          <a:xfrm>
+            <a:off x="612648" y="1828800"/>
+            <a:ext cx="7693152" cy="4572000"/>
+          </a:xfrm>
+        </p:spPr>
+        <p:txBody>
+          <a:bodyPr>
+            <a:normAutofit/>
+          </a:bodyPr>
+          <a:lstStyle/>
+          <a:p>
+            <a:pPr>
+              <a:buFont typeface="Wingdings" pitchFamily="2" charset="2"/>
+              <a:buChar char="ü"/>
+            </a:pPr>
+            <a:r>
+              <a:rPr lang="en-US" sz="1800" dirty="0" smtClean="0"/>
+              <a:t>Contains all employee who have done certification in technical / project management related areas .</a:t>
+            </a:r>
+          </a:p>
+          <a:p>
+            <a:pPr>
+              <a:buFont typeface="Wingdings" pitchFamily="2" charset="2"/>
+              <a:buChar char="ü"/>
+            </a:pPr>
+            <a:r>
+              <a:rPr lang="en-US" sz="1800" dirty="0" smtClean="0"/>
+              <a:t>Make employees feel proud about their certifications </a:t>
+            </a:r>
+          </a:p>
+          <a:p>
+            <a:pPr>
+              <a:buFont typeface="Wingdings" pitchFamily="2" charset="2"/>
+              <a:buChar char="ü"/>
+            </a:pPr>
+            <a:r>
+              <a:rPr lang="en-US" sz="1800" dirty="0" smtClean="0"/>
+              <a:t>Best way to sell our technical competencies to new customers.</a:t>
+            </a:r>
+          </a:p>
+          <a:p>
+            <a:pPr>
+              <a:buFont typeface="Wingdings" pitchFamily="2" charset="2"/>
+              <a:buChar char="ü"/>
+            </a:pPr>
+            <a:endParaRPr lang="en-US" sz="1800" dirty="0" smtClean="0"/>
+          </a:p>
+          <a:p>
+            <a:pPr>
+              <a:buFont typeface="Wingdings" pitchFamily="2" charset="2"/>
+              <a:buChar char="ü"/>
+            </a:pPr>
+            <a:endParaRPr lang="en-US" sz="1800" dirty="0" smtClean="0"/>
+          </a:p>
+          <a:p>
+            <a:pPr>
+              <a:buNone/>
+            </a:pPr>
+            <a:endParaRPr lang="en-US" sz="1800" dirty="0" smtClean="0"/>
+          </a:p>
+          <a:p>
+            <a:pPr lvl="1">
+              <a:buNone/>
+            </a:pPr>
+            <a:endParaRPr lang="en-US" sz="1800" dirty="0" smtClean="0"/>
+          </a:p>
+          <a:p>
+            <a:pPr>
+              <a:buFont typeface="Wingdings" pitchFamily="2" charset="2"/>
+              <a:buChar char="ü"/>
+            </a:pPr>
+            <a:endParaRPr lang="en-US" sz="1800" dirty="0" smtClean="0"/>
+          </a:p>
+          <a:p>
+            <a:pPr>
+              <a:buNone/>
+            </a:pPr>
+            <a:endParaRPr lang="en-US" sz="1800" dirty="0" smtClean="0"/>
+          </a:p>
+        </p:txBody>
+      </p:sp>
+    </p:spTree>
+  </p:cSld>
+  <p:clrMapOvr>
+    <a:masterClrMapping/>
+  </p:clrMapOvr>
+  <p:transition spd="slow">
+    <p:wedge/>
+  </p:transition>
+  <p:timing>
+    <p:tnLst>
+      <p:par>
+        <p:cTn id="1" dur="indefinite" restart="never" nodeType="tmRoot"/>
+      </p:par>
+    </p:tnLst>
+  </p:timing>
+</p:sld>
+</file>
+
+<file path=ppt/slides/slide18.xml><?xml version="1.0" encoding="utf-8"?>
 <p:sld xmlns:a="http://schemas.openxmlformats.org/drawingml/2006/main" xmlns:r="http://schemas.openxmlformats.org/officeDocument/2006/relationships" xmlns:p="http://schemas.openxmlformats.org/presentationml/2006/main">
   <p:cSld>
     <p:spTree>
@@ -9297,9 +9454,9 @@
       </p:grpSpPr>
       <p:sp>
         <p:nvSpPr>
-          <p:cNvPr id="25602" name="Rectangle 2"/>
-          <p:cNvSpPr>
-            <a:spLocks noGrp="1" noChangeArrowheads="1"/>
+          <p:cNvPr id="2" name="Title 1"/>
+          <p:cNvSpPr>
+            <a:spLocks noGrp="1"/>
           </p:cNvSpPr>
           <p:nvPr>
             <p:ph type="title"/>
@@ -9307,110 +9464,75 @@
         </p:nvSpPr>
         <p:spPr/>
         <p:txBody>
-          <a:bodyPr>
-            <a:normAutofit/>
+          <a:bodyPr/>
+          <a:lstStyle/>
+          <a:p>
+            <a:endParaRPr lang="en-IN"/>
+          </a:p>
+        </p:txBody>
+      </p:sp>
+      <p:sp>
+        <p:nvSpPr>
+          <p:cNvPr id="6" name="Rectangle 5"/>
+          <p:cNvSpPr/>
+          <p:nvPr/>
+        </p:nvSpPr>
+        <p:spPr>
+          <a:xfrm>
+            <a:off x="576069" y="2967335"/>
+            <a:ext cx="7991867" cy="707886"/>
+          </a:xfrm>
+          <a:prstGeom prst="rect">
+            <a:avLst/>
+          </a:prstGeom>
+          <a:noFill/>
+        </p:spPr>
+        <p:txBody>
+          <a:bodyPr wrap="none" lIns="91440" tIns="45720" rIns="91440" bIns="45720">
+            <a:spAutoFit/>
           </a:bodyPr>
           <a:lstStyle/>
           <a:p>
-            <a:r>
-              <a:rPr lang="en-US" sz="2000" b="1" dirty="0" smtClean="0"/>
-              <a:t>Mission</a:t>
-            </a:r>
-            <a:endParaRPr lang="en-US" sz="2000" b="1" dirty="0"/>
-          </a:p>
-        </p:txBody>
-      </p:sp>
-      <p:sp>
-        <p:nvSpPr>
-          <p:cNvPr id="25603" name="Rectangle 3"/>
-          <p:cNvSpPr>
-            <a:spLocks noGrp="1" noChangeArrowheads="1"/>
-          </p:cNvSpPr>
-          <p:nvPr>
-            <p:ph sz="quarter" idx="1"/>
-          </p:nvPr>
-        </p:nvSpPr>
-        <p:spPr>
-          <a:xfrm>
-            <a:off x="609600" y="1981200"/>
-            <a:ext cx="7848600" cy="2819400"/>
-          </a:xfrm>
-        </p:spPr>
-        <p:txBody>
-          <a:bodyPr>
-            <a:normAutofit/>
-          </a:bodyPr>
-          <a:lstStyle/>
-          <a:p>
-            <a:pPr>
-              <a:buFont typeface="Wingdings" pitchFamily="2" charset="2"/>
-              <a:buChar char="ü"/>
-            </a:pPr>
-            <a:r>
-              <a:rPr lang="en-US" sz="1600" dirty="0" smtClean="0"/>
-              <a:t>I believe we require four categories of employees that will make us more successful  - </a:t>
-            </a:r>
-            <a:r>
-              <a:rPr lang="en-US" sz="1600" b="1" dirty="0" smtClean="0"/>
-              <a:t>Great leaders , Great trainers , Great mentors , Technical &amp; Project management experts</a:t>
-            </a:r>
-          </a:p>
-          <a:p>
-            <a:pPr>
-              <a:buFont typeface="Wingdings" pitchFamily="2" charset="2"/>
-              <a:buChar char="ü"/>
-            </a:pPr>
-            <a:r>
-              <a:rPr lang="en-US" sz="1600" dirty="0" smtClean="0"/>
-              <a:t>Our mission statement should help our people in understanding what we are doing </a:t>
-            </a:r>
-          </a:p>
-          <a:p>
-            <a:pPr>
-              <a:buFont typeface="Wingdings" pitchFamily="2" charset="2"/>
-              <a:buChar char="ü"/>
-            </a:pPr>
-            <a:r>
-              <a:rPr lang="en-US" sz="1600" dirty="0" smtClean="0"/>
-              <a:t>I have few thoughts on creating a mission statement and this is what came to my mind – “ Empowering employees to make them good Leaders , Trainers , Mentors , Technical &amp; Project management experts leading to increased customer satisfaction and preparing teams for new challenges in line with business goals ”</a:t>
-            </a:r>
-          </a:p>
-          <a:p>
-            <a:pPr>
-              <a:buFont typeface="Wingdings" pitchFamily="2" charset="2"/>
-              <a:buChar char="ü"/>
-            </a:pPr>
-            <a:r>
-              <a:rPr lang="en-US" sz="1600" dirty="0" smtClean="0"/>
-              <a:t>Better thoughts ?</a:t>
-            </a:r>
-          </a:p>
-          <a:p>
-            <a:pPr lvl="1">
-              <a:buNone/>
-            </a:pPr>
-            <a:endParaRPr lang="en-US" sz="1500" dirty="0" smtClean="0"/>
-          </a:p>
-          <a:p>
-            <a:pPr lvl="1">
-              <a:buFont typeface="Wingdings" pitchFamily="2" charset="2"/>
-              <a:buChar char="ü"/>
-            </a:pPr>
-            <a:endParaRPr lang="en-US" sz="1500" dirty="0" smtClean="0"/>
-          </a:p>
-          <a:p>
-            <a:pPr lvl="1">
-              <a:buFont typeface="Wingdings" pitchFamily="2" charset="2"/>
-              <a:buChar char="ü"/>
-            </a:pPr>
-            <a:endParaRPr lang="en-US" sz="1500" dirty="0" smtClean="0"/>
-          </a:p>
-          <a:p>
-            <a:pPr>
-              <a:buFont typeface="Wingdings" pitchFamily="2" charset="2"/>
-              <a:buChar char="ü"/>
-            </a:pPr>
-            <a:endParaRPr lang="en-US" dirty="0"/>
+            <a:pPr algn="ctr">
+              <a:buNone/>
+            </a:pPr>
+            <a:r>
+              <a:rPr lang="en-US" sz="4000" b="1" cap="none" spc="0" dirty="0" smtClean="0">
+                <a:ln w="10541" cmpd="sng">
+                  <a:solidFill>
+                    <a:schemeClr val="accent1">
+                      <a:shade val="88000"/>
+                      <a:satMod val="110000"/>
+                    </a:schemeClr>
+                  </a:solidFill>
+                  <a:prstDash val="solid"/>
+                </a:ln>
+                <a:solidFill>
+                  <a:srgbClr val="003664"/>
+                </a:solidFill>
+                <a:effectLst>
+                  <a:reflection blurRad="6350" stA="55000" endA="50" endPos="85000" dist="29997" dir="5400000" sy="-100000" algn="bl" rotWithShape="0"/>
+                </a:effectLst>
+              </a:rPr>
+              <a:t>Learning &amp; Training Department</a:t>
+            </a:r>
+            <a:endParaRPr lang="en-US" sz="4000" b="1" cap="none" spc="0" dirty="0">
+              <a:ln w="10541" cmpd="sng">
+                <a:solidFill>
+                  <a:schemeClr val="accent1">
+                    <a:shade val="88000"/>
+                    <a:satMod val="110000"/>
+                  </a:schemeClr>
+                </a:solidFill>
+                <a:prstDash val="solid"/>
+              </a:ln>
+              <a:solidFill>
+                <a:srgbClr val="003664"/>
+              </a:solidFill>
+              <a:effectLst>
+                <a:reflection blurRad="6350" stA="55000" endA="50" endPos="85000" dist="29997" dir="5400000" sy="-100000" algn="bl" rotWithShape="0"/>
+              </a:effectLst>
+            </a:endParaRPr>
           </a:p>
         </p:txBody>
       </p:sp>
@@ -9422,13 +9544,6 @@
   <p:transition spd="slow">
     <p:wedge/>
   </p:transition>
-  <p:timing>
-    <p:tnLst>
-      <p:par>
-        <p:cTn id="1" dur="indefinite" restart="never" nodeType="tmRoot"/>
-      </p:par>
-    </p:tnLst>
-  </p:timing>
 </p:sld>
 </file>
 
@@ -9468,7 +9583,7 @@
           <a:p>
             <a:r>
               <a:rPr lang="en-US" sz="2000" b="1" dirty="0" smtClean="0"/>
-              <a:t>Upcoming Trainings </a:t>
+              <a:t>Mission</a:t>
             </a:r>
             <a:endParaRPr lang="en-US" sz="2000" b="1" dirty="0"/>
           </a:p>
@@ -9486,13 +9601,13 @@
         </p:nvSpPr>
         <p:spPr>
           <a:xfrm>
-            <a:off x="612648" y="1828800"/>
-            <a:ext cx="7693152" cy="3581400"/>
+            <a:off x="609600" y="1981200"/>
+            <a:ext cx="7848600" cy="2819400"/>
           </a:xfrm>
         </p:spPr>
         <p:txBody>
           <a:bodyPr>
-            <a:normAutofit fontScale="92500" lnSpcReduction="10000"/>
+            <a:normAutofit/>
           </a:bodyPr>
           <a:lstStyle/>
           <a:p>
@@ -9501,8 +9616,12 @@
               <a:buChar char="ü"/>
             </a:pPr>
             <a:r>
-              <a:rPr lang="en-US" sz="1800" dirty="0" smtClean="0"/>
-              <a:t>Managers are not sharing information and employees should know about trainings that are coming up and this page will be helpful for them .</a:t>
+              <a:rPr lang="en-US" sz="1600" dirty="0" smtClean="0"/>
+              <a:t>I believe we require four categories of employees that will make us more successful  - </a:t>
+            </a:r>
+            <a:r>
+              <a:rPr lang="en-US" sz="1600" b="1" dirty="0" smtClean="0"/>
+              <a:t>Great leaders , Great trainers , Great mentors , Technical &amp; Project management experts</a:t>
             </a:r>
           </a:p>
           <a:p>
@@ -9511,8 +9630,8 @@
               <a:buChar char="ü"/>
             </a:pPr>
             <a:r>
-              <a:rPr lang="en-US" sz="1800" dirty="0" smtClean="0"/>
-              <a:t>Opening note talking about importance of registering to attend training (Today many are not registering)</a:t>
+              <a:rPr lang="en-US" sz="1600" dirty="0" smtClean="0"/>
+              <a:t>Our mission statement should help our people in understanding what we are doing </a:t>
             </a:r>
           </a:p>
           <a:p>
@@ -9521,103 +9640,46 @@
               <a:buChar char="ü"/>
             </a:pPr>
             <a:r>
-              <a:rPr lang="en-US" sz="1800" dirty="0" smtClean="0"/>
-              <a:t>Should contain table data with all following columns – </a:t>
-            </a:r>
+              <a:rPr lang="en-US" sz="1600" dirty="0" smtClean="0"/>
+              <a:t>I have few thoughts on creating a mission statement and this is what came to my mind – “ Empowering employees to make them good Leaders , Trainers , Mentors , Technical &amp; Project management experts leading to increased customer satisfaction and preparing teams for new challenges in line with business goals ”</a:t>
+            </a:r>
+          </a:p>
+          <a:p>
+            <a:pPr>
+              <a:buFont typeface="Wingdings" pitchFamily="2" charset="2"/>
+              <a:buChar char="ü"/>
+            </a:pPr>
+            <a:r>
+              <a:rPr lang="en-US" sz="1600" dirty="0" smtClean="0"/>
+              <a:t>Better thoughts ?</a:t>
+            </a:r>
+          </a:p>
+          <a:p>
+            <a:pPr lvl="1">
+              <a:buNone/>
+            </a:pPr>
+            <a:endParaRPr lang="en-US" sz="1500" dirty="0" smtClean="0"/>
           </a:p>
           <a:p>
             <a:pPr lvl="1">
               <a:buFont typeface="Wingdings" pitchFamily="2" charset="2"/>
               <a:buChar char="ü"/>
             </a:pPr>
-            <a:r>
-              <a:rPr lang="en-US" sz="1500" dirty="0" smtClean="0"/>
-              <a:t>S.No</a:t>
-            </a:r>
+            <a:endParaRPr lang="en-US" sz="1500" dirty="0" smtClean="0"/>
           </a:p>
           <a:p>
             <a:pPr lvl="1">
               <a:buFont typeface="Wingdings" pitchFamily="2" charset="2"/>
               <a:buChar char="ü"/>
             </a:pPr>
-            <a:r>
-              <a:rPr lang="en-US" sz="1500" dirty="0" smtClean="0"/>
-              <a:t>Presentation Topic</a:t>
-            </a:r>
-          </a:p>
-          <a:p>
-            <a:pPr lvl="1">
+            <a:endParaRPr lang="en-US" sz="1500" dirty="0" smtClean="0"/>
+          </a:p>
+          <a:p>
+            <a:pPr>
               <a:buFont typeface="Wingdings" pitchFamily="2" charset="2"/>
               <a:buChar char="ü"/>
             </a:pPr>
-            <a:r>
-              <a:rPr lang="en-US" sz="1500" dirty="0" smtClean="0"/>
-              <a:t>Presenter name</a:t>
-            </a:r>
-          </a:p>
-          <a:p>
-            <a:pPr lvl="1">
-              <a:buFont typeface="Wingdings" pitchFamily="2" charset="2"/>
-              <a:buChar char="ü"/>
-            </a:pPr>
-            <a:r>
-              <a:rPr lang="en-US" sz="1500" dirty="0" smtClean="0"/>
-              <a:t>Target Audience</a:t>
-            </a:r>
-          </a:p>
-          <a:p>
-            <a:pPr lvl="1">
-              <a:buFont typeface="Wingdings" pitchFamily="2" charset="2"/>
-              <a:buChar char="ü"/>
-            </a:pPr>
-            <a:r>
-              <a:rPr lang="en-US" sz="1500" dirty="0" smtClean="0"/>
-              <a:t>Timing Details </a:t>
-            </a:r>
-          </a:p>
-          <a:p>
-            <a:pPr lvl="1">
-              <a:buFont typeface="Wingdings" pitchFamily="2" charset="2"/>
-              <a:buChar char="ü"/>
-            </a:pPr>
-            <a:r>
-              <a:rPr lang="en-US" sz="1500" dirty="0" smtClean="0"/>
-              <a:t>Registration link (Pointing to </a:t>
-            </a:r>
-            <a:r>
-              <a:rPr lang="en-US" sz="1500" dirty="0" err="1" smtClean="0"/>
-              <a:t>PKonnect</a:t>
-            </a:r>
-            <a:r>
-              <a:rPr lang="en-US" sz="1500" dirty="0" smtClean="0"/>
-              <a:t> )</a:t>
-            </a:r>
-          </a:p>
-          <a:p>
-            <a:pPr lvl="1">
-              <a:buFont typeface="Wingdings" pitchFamily="2" charset="2"/>
-              <a:buChar char="ü"/>
-            </a:pPr>
-            <a:r>
-              <a:rPr lang="en-US" sz="1500" dirty="0" smtClean="0"/>
-              <a:t>Number of registrations (Should get updated periodically)</a:t>
-            </a:r>
-          </a:p>
-          <a:p>
-            <a:pPr lvl="1">
-              <a:buFont typeface="Wingdings" pitchFamily="2" charset="2"/>
-              <a:buChar char="ü"/>
-            </a:pPr>
-            <a:r>
-              <a:rPr lang="en-US" sz="1500" dirty="0" smtClean="0"/>
-              <a:t>Status (Registration opened / Registration closed)</a:t>
-            </a:r>
-          </a:p>
-          <a:p>
-            <a:pPr>
-              <a:buNone/>
-            </a:pPr>
-            <a:endParaRPr lang="en-US" sz="1800" dirty="0" smtClean="0"/>
+            <a:endParaRPr lang="en-US" dirty="0"/>
           </a:p>
         </p:txBody>
       </p:sp>
@@ -9675,7 +9737,7 @@
           <a:p>
             <a:r>
               <a:rPr lang="en-US" sz="2000" b="1" dirty="0" smtClean="0"/>
-              <a:t>What after registration ?</a:t>
+              <a:t>Upcoming Trainings </a:t>
             </a:r>
             <a:endParaRPr lang="en-US" sz="2000" b="1" dirty="0"/>
           </a:p>
@@ -9694,12 +9756,12 @@
         <p:spPr>
           <a:xfrm>
             <a:off x="612648" y="1828800"/>
-            <a:ext cx="7693152" cy="4572000"/>
+            <a:ext cx="7693152" cy="3581400"/>
           </a:xfrm>
         </p:spPr>
         <p:txBody>
           <a:bodyPr>
-            <a:normAutofit/>
+            <a:normAutofit fontScale="92500" lnSpcReduction="10000"/>
           </a:bodyPr>
           <a:lstStyle/>
           <a:p>
@@ -9709,7 +9771,7 @@
             </a:pPr>
             <a:r>
               <a:rPr lang="en-US" sz="1800" dirty="0" smtClean="0"/>
-              <a:t>Schedule a training and send out a meeting request so that it is there in their calendar and they don’t miss it out .</a:t>
+              <a:t>Managers are not sharing information and employees should know about trainings that are coming up and this page will be helpful for them .</a:t>
             </a:r>
           </a:p>
           <a:p>
@@ -9719,7 +9781,7 @@
             </a:pPr>
             <a:r>
               <a:rPr lang="en-US" sz="1800" dirty="0" smtClean="0"/>
-              <a:t>Attendance need to be taken for all employees who attended it .</a:t>
+              <a:t>Opening note talking about importance of registering to attend training (Today many are not registering)</a:t>
             </a:r>
           </a:p>
           <a:p>
@@ -9729,7 +9791,7 @@
             </a:pPr>
             <a:r>
               <a:rPr lang="en-US" sz="1800" dirty="0" smtClean="0"/>
-              <a:t>Conduct a online survey for all the employees who attended training asking three simple questions</a:t>
+              <a:t>Should contain table data with all following columns – </a:t>
             </a:r>
           </a:p>
           <a:p>
@@ -9739,7 +9801,7 @@
             </a:pPr>
             <a:r>
               <a:rPr lang="en-US" sz="1500" dirty="0" smtClean="0"/>
-              <a:t> Good points in presentation </a:t>
+              <a:t>S.No</a:t>
             </a:r>
           </a:p>
           <a:p>
@@ -9749,7 +9811,7 @@
             </a:pPr>
             <a:r>
               <a:rPr lang="en-US" sz="1500" dirty="0" smtClean="0"/>
-              <a:t>Areas of improvement</a:t>
+              <a:t>Presentation Topic</a:t>
             </a:r>
           </a:p>
           <a:p>
@@ -9759,34 +9821,66 @@
             </a:pPr>
             <a:r>
               <a:rPr lang="en-US" sz="1500" dirty="0" smtClean="0"/>
-              <a:t>Overall rating </a:t>
-            </a:r>
-          </a:p>
-          <a:p>
-            <a:pPr>
+              <a:t>Presenter name</a:t>
+            </a:r>
+          </a:p>
+          <a:p>
+            <a:pPr lvl="1">
               <a:buFont typeface="Wingdings" pitchFamily="2" charset="2"/>
               <a:buChar char="ü"/>
             </a:pPr>
             <a:r>
-              <a:rPr lang="en-US" sz="1800" dirty="0" smtClean="0"/>
-              <a:t>It is mandatory for an employee to attend session completely and fill survey form to get it registered with learning department </a:t>
-            </a:r>
-          </a:p>
-          <a:p>
-            <a:pPr>
+              <a:rPr lang="en-US" sz="1500" dirty="0" smtClean="0"/>
+              <a:t>Target Audience</a:t>
+            </a:r>
+          </a:p>
+          <a:p>
+            <a:pPr lvl="1">
               <a:buFont typeface="Wingdings" pitchFamily="2" charset="2"/>
               <a:buChar char="ü"/>
             </a:pPr>
             <a:r>
-              <a:rPr lang="en-US" sz="1800" dirty="0" smtClean="0"/>
-              <a:t>Next step is to go to completed trainings and fill it out</a:t>
-            </a:r>
-          </a:p>
-          <a:p>
-            <a:pPr>
-              <a:buNone/>
-            </a:pPr>
-            <a:endParaRPr lang="en-US" sz="1800" dirty="0" smtClean="0"/>
+              <a:rPr lang="en-US" sz="1500" dirty="0" smtClean="0"/>
+              <a:t>Timing Details </a:t>
+            </a:r>
+          </a:p>
+          <a:p>
+            <a:pPr lvl="1">
+              <a:buFont typeface="Wingdings" pitchFamily="2" charset="2"/>
+              <a:buChar char="ü"/>
+            </a:pPr>
+            <a:r>
+              <a:rPr lang="en-US" sz="1500" dirty="0" smtClean="0"/>
+              <a:t>Registration link (Pointing to </a:t>
+            </a:r>
+            <a:r>
+              <a:rPr lang="en-US" sz="1500" dirty="0" err="1" smtClean="0"/>
+              <a:t>PKonnect</a:t>
+            </a:r>
+            <a:r>
+              <a:rPr lang="en-US" sz="1500" dirty="0" smtClean="0"/>
+              <a:t> )</a:t>
+            </a:r>
+          </a:p>
+          <a:p>
+            <a:pPr lvl="1">
+              <a:buFont typeface="Wingdings" pitchFamily="2" charset="2"/>
+              <a:buChar char="ü"/>
+            </a:pPr>
+            <a:r>
+              <a:rPr lang="en-US" sz="1500" dirty="0" smtClean="0"/>
+              <a:t>Number of registrations (Should get updated periodically)</a:t>
+            </a:r>
+          </a:p>
+          <a:p>
+            <a:pPr lvl="1">
+              <a:buFont typeface="Wingdings" pitchFamily="2" charset="2"/>
+              <a:buChar char="ü"/>
+            </a:pPr>
+            <a:r>
+              <a:rPr lang="en-US" sz="1500" dirty="0" smtClean="0"/>
+              <a:t>Status (Registration opened / Registration closed)</a:t>
+            </a:r>
           </a:p>
           <a:p>
             <a:pPr>
@@ -9850,7 +9944,7 @@
           <a:p>
             <a:r>
               <a:rPr lang="en-US" sz="2000" b="1" dirty="0" smtClean="0"/>
-              <a:t>Completed Trainings</a:t>
+              <a:t>What after registration ?</a:t>
             </a:r>
             <a:endParaRPr lang="en-US" sz="2000" b="1" dirty="0"/>
           </a:p>
@@ -9874,7 +9968,7 @@
         </p:spPr>
         <p:txBody>
           <a:bodyPr>
-            <a:normAutofit fontScale="92500" lnSpcReduction="20000"/>
+            <a:normAutofit/>
           </a:bodyPr>
           <a:lstStyle/>
           <a:p>
@@ -9884,7 +9978,7 @@
             </a:pPr>
             <a:r>
               <a:rPr lang="en-US" sz="1800" dirty="0" smtClean="0"/>
-              <a:t>All completed trainings need to tracked here</a:t>
+              <a:t>Schedule a training and send out a meeting request so that it is there in their calendar and they don’t miss it out .</a:t>
             </a:r>
           </a:p>
           <a:p>
@@ -9894,7 +9988,17 @@
             </a:pPr>
             <a:r>
               <a:rPr lang="en-US" sz="1800" dirty="0" smtClean="0"/>
-              <a:t>This can be in the form of table with columns as </a:t>
+              <a:t>Attendance need to be taken for all employees who attended it .</a:t>
+            </a:r>
+          </a:p>
+          <a:p>
+            <a:pPr>
+              <a:buFont typeface="Wingdings" pitchFamily="2" charset="2"/>
+              <a:buChar char="ü"/>
+            </a:pPr>
+            <a:r>
+              <a:rPr lang="en-US" sz="1800" dirty="0" smtClean="0"/>
+              <a:t>Conduct a online survey for all the employees who attended training asking three simple questions</a:t>
             </a:r>
           </a:p>
           <a:p>
@@ -9904,7 +10008,7 @@
             </a:pPr>
             <a:r>
               <a:rPr lang="en-US" sz="1500" dirty="0" smtClean="0"/>
-              <a:t>S.No</a:t>
+              <a:t> Good points in presentation </a:t>
             </a:r>
           </a:p>
           <a:p>
@@ -9914,7 +10018,7 @@
             </a:pPr>
             <a:r>
               <a:rPr lang="en-US" sz="1500" dirty="0" smtClean="0"/>
-              <a:t>Presentation topic</a:t>
+              <a:t>Areas of improvement</a:t>
             </a:r>
           </a:p>
           <a:p>
@@ -9924,75 +10028,7 @@
             </a:pPr>
             <a:r>
               <a:rPr lang="en-US" sz="1500" dirty="0" smtClean="0"/>
-              <a:t>Presenter</a:t>
-            </a:r>
-          </a:p>
-          <a:p>
-            <a:pPr lvl="1">
-              <a:buFont typeface="Wingdings" pitchFamily="2" charset="2"/>
-              <a:buChar char="ü"/>
-            </a:pPr>
-            <a:r>
-              <a:rPr lang="en-US" sz="1500" dirty="0" smtClean="0"/>
-              <a:t>Completion date</a:t>
-            </a:r>
-          </a:p>
-          <a:p>
-            <a:pPr lvl="1">
-              <a:buFont typeface="Wingdings" pitchFamily="2" charset="2"/>
-              <a:buChar char="ü"/>
-            </a:pPr>
-            <a:r>
-              <a:rPr lang="en-US" sz="1500" dirty="0" smtClean="0"/>
-              <a:t>Link to download PPT</a:t>
-            </a:r>
-          </a:p>
-          <a:p>
-            <a:pPr lvl="1">
-              <a:buFont typeface="Wingdings" pitchFamily="2" charset="2"/>
-              <a:buChar char="ü"/>
-            </a:pPr>
-            <a:r>
-              <a:rPr lang="en-US" sz="1500" dirty="0" smtClean="0"/>
-              <a:t>Link to run video if available</a:t>
-            </a:r>
-          </a:p>
-          <a:p>
-            <a:pPr lvl="1">
-              <a:buFont typeface="Wingdings" pitchFamily="2" charset="2"/>
-              <a:buChar char="ü"/>
-            </a:pPr>
-            <a:r>
-              <a:rPr lang="en-US" sz="1500" dirty="0" smtClean="0"/>
-              <a:t>No of attendees</a:t>
-            </a:r>
-          </a:p>
-          <a:p>
-            <a:pPr lvl="1">
-              <a:buFont typeface="Wingdings" pitchFamily="2" charset="2"/>
-              <a:buChar char="ü"/>
-            </a:pPr>
-            <a:r>
-              <a:rPr lang="en-US" sz="1500" dirty="0" smtClean="0"/>
-              <a:t>Average rating received</a:t>
-            </a:r>
-          </a:p>
-          <a:p>
-            <a:pPr lvl="1">
-              <a:buFont typeface="Wingdings" pitchFamily="2" charset="2"/>
-              <a:buChar char="ü"/>
-            </a:pPr>
-            <a:r>
-              <a:rPr lang="en-US" sz="1500" dirty="0" smtClean="0"/>
-              <a:t>Link that points to all the feedback received without names (Should be accessed only </a:t>
-            </a:r>
-            <a:r>
-              <a:rPr lang="en-US" sz="1500" smtClean="0"/>
-              <a:t>by presenter </a:t>
-            </a:r>
-            <a:r>
-              <a:rPr lang="en-US" sz="1500" dirty="0" smtClean="0"/>
-              <a:t>)</a:t>
+              <a:t>Overall rating </a:t>
             </a:r>
           </a:p>
           <a:p>
@@ -10002,11 +10038,7 @@
             </a:pPr>
             <a:r>
               <a:rPr lang="en-US" sz="1800" dirty="0" smtClean="0"/>
-              <a:t>If there is good feedback on the training then Learning department should drop a mail to their manager and AVP appreciating the efforts of employee . This will make him repeat the act</a:t>
-            </a:r>
-            <a:r>
-              <a:rPr lang="en-US" sz="1800" b="1" dirty="0" smtClean="0"/>
-              <a:t>. Recognizing employees is one best way to make him repeat another good presentation </a:t>
+              <a:t>It is mandatory for an employee to attend session completely and fill survey form to get it registered with learning department </a:t>
             </a:r>
           </a:p>
           <a:p>
@@ -10016,20 +10048,12 @@
             </a:pPr>
             <a:r>
               <a:rPr lang="en-US" sz="1800" dirty="0" smtClean="0"/>
-              <a:t>If feedback is not proper share with employee and leave it . Don’t share with manager.</a:t>
+              <a:t>Next step is to go to completed trainings and fill it out</a:t>
             </a:r>
           </a:p>
           <a:p>
             <a:pPr>
-              <a:buFont typeface="Wingdings" pitchFamily="2" charset="2"/>
-              <a:buChar char="ü"/>
-            </a:pPr>
-            <a:endParaRPr lang="en-US" sz="1800" dirty="0" smtClean="0"/>
-          </a:p>
-          <a:p>
-            <a:pPr>
-              <a:buFont typeface="Wingdings" pitchFamily="2" charset="2"/>
-              <a:buChar char="ü"/>
+              <a:buNone/>
             </a:pPr>
             <a:endParaRPr lang="en-US" sz="1800" dirty="0" smtClean="0"/>
           </a:p>
@@ -10095,7 +10119,7 @@
           <a:p>
             <a:r>
               <a:rPr lang="en-US" sz="2000" b="1" dirty="0" smtClean="0"/>
-              <a:t>Request for training</a:t>
+              <a:t>Completed Trainings</a:t>
             </a:r>
             <a:endParaRPr lang="en-US" sz="2000" b="1" dirty="0"/>
           </a:p>
@@ -10119,7 +10143,7 @@
         </p:spPr>
         <p:txBody>
           <a:bodyPr>
-            <a:normAutofit/>
+            <a:normAutofit fontScale="92500" lnSpcReduction="20000"/>
           </a:bodyPr>
           <a:lstStyle/>
           <a:p>
@@ -10128,8 +10152,8 @@
               <a:buChar char="ü"/>
             </a:pPr>
             <a:r>
-              <a:rPr lang="en-IN" sz="1800" dirty="0" smtClean="0"/>
-              <a:t>This page is like a product backlog list.</a:t>
+              <a:rPr lang="en-US" sz="1800" dirty="0" smtClean="0"/>
+              <a:t>All completed trainings need to tracked here</a:t>
             </a:r>
           </a:p>
           <a:p>
@@ -10138,8 +10162,8 @@
               <a:buChar char="ü"/>
             </a:pPr>
             <a:r>
-              <a:rPr lang="en-IN" sz="1800" dirty="0" smtClean="0"/>
-              <a:t>There should be a link to raise a request for training . All the raised requests need to be traced and Topics requested which are not fulfilled need to be displayed on this page . This can be in the form of table with columns as </a:t>
+              <a:rPr lang="en-US" sz="1800" dirty="0" smtClean="0"/>
+              <a:t>This can be in the form of table with columns as </a:t>
             </a:r>
           </a:p>
           <a:p>
@@ -10148,10 +10172,9 @@
               <a:buChar char="ü"/>
             </a:pPr>
             <a:r>
-              <a:rPr lang="en-IN" sz="1500" dirty="0" err="1" smtClean="0"/>
+              <a:rPr lang="en-US" sz="1500" dirty="0" smtClean="0"/>
               <a:t>S.No</a:t>
             </a:r>
-            <a:endParaRPr lang="en-IN" sz="1500" dirty="0" smtClean="0"/>
           </a:p>
           <a:p>
             <a:pPr lvl="1">
@@ -10159,8 +10182,8 @@
               <a:buChar char="ü"/>
             </a:pPr>
             <a:r>
-              <a:rPr lang="en-IN" sz="1500" dirty="0" smtClean="0"/>
-              <a:t>Topic Requested</a:t>
+              <a:rPr lang="en-US" sz="1500" dirty="0" smtClean="0"/>
+              <a:t>Presentation topic</a:t>
             </a:r>
           </a:p>
           <a:p>
@@ -10169,8 +10192,8 @@
               <a:buChar char="ü"/>
             </a:pPr>
             <a:r>
-              <a:rPr lang="en-IN" sz="1500" dirty="0" smtClean="0"/>
-              <a:t>Pending Since</a:t>
+              <a:rPr lang="en-US" sz="1500" dirty="0" smtClean="0"/>
+              <a:t>Presenter</a:t>
             </a:r>
           </a:p>
           <a:p>
@@ -10179,8 +10202,66 @@
               <a:buChar char="ü"/>
             </a:pPr>
             <a:r>
-              <a:rPr lang="en-IN" sz="1500" dirty="0" smtClean="0"/>
-              <a:t>Number of employees requested</a:t>
+              <a:rPr lang="en-US" sz="1500" dirty="0" smtClean="0"/>
+              <a:t>Completion date</a:t>
+            </a:r>
+          </a:p>
+          <a:p>
+            <a:pPr lvl="1">
+              <a:buFont typeface="Wingdings" pitchFamily="2" charset="2"/>
+              <a:buChar char="ü"/>
+            </a:pPr>
+            <a:r>
+              <a:rPr lang="en-US" sz="1500" dirty="0" smtClean="0"/>
+              <a:t>Link to download PPT</a:t>
+            </a:r>
+          </a:p>
+          <a:p>
+            <a:pPr lvl="1">
+              <a:buFont typeface="Wingdings" pitchFamily="2" charset="2"/>
+              <a:buChar char="ü"/>
+            </a:pPr>
+            <a:r>
+              <a:rPr lang="en-US" sz="1500" dirty="0" smtClean="0"/>
+              <a:t>Link to run video if available</a:t>
+            </a:r>
+          </a:p>
+          <a:p>
+            <a:pPr lvl="1">
+              <a:buFont typeface="Wingdings" pitchFamily="2" charset="2"/>
+              <a:buChar char="ü"/>
+            </a:pPr>
+            <a:r>
+              <a:rPr lang="en-US" sz="1500" dirty="0" smtClean="0"/>
+              <a:t>No of attendees</a:t>
+            </a:r>
+          </a:p>
+          <a:p>
+            <a:pPr lvl="1">
+              <a:buFont typeface="Wingdings" pitchFamily="2" charset="2"/>
+              <a:buChar char="ü"/>
+            </a:pPr>
+            <a:r>
+              <a:rPr lang="en-US" sz="1500" dirty="0" smtClean="0"/>
+              <a:t>Average rating received</a:t>
+            </a:r>
+          </a:p>
+          <a:p>
+            <a:pPr lvl="1">
+              <a:buFont typeface="Wingdings" pitchFamily="2" charset="2"/>
+              <a:buChar char="ü"/>
+            </a:pPr>
+            <a:r>
+              <a:rPr lang="en-US" sz="1500" dirty="0" smtClean="0"/>
+              <a:t>Link that points to all the feedback received without names (Should be accessed only </a:t>
+            </a:r>
+            <a:r>
+              <a:rPr lang="en-US" sz="1500" smtClean="0"/>
+              <a:t>by presenter </a:t>
+            </a:r>
+            <a:r>
+              <a:rPr lang="en-US" sz="1500" dirty="0" smtClean="0"/>
+              <a:t>)</a:t>
             </a:r>
           </a:p>
           <a:p>
@@ -10189,9 +10270,30 @@
               <a:buChar char="ü"/>
             </a:pPr>
             <a:r>
-              <a:rPr lang="en-IN" sz="1800" dirty="0" smtClean="0"/>
-              <a:t>Topic  that are fulfilled need to be removed from this page</a:t>
-            </a:r>
+              <a:rPr lang="en-US" sz="1800" dirty="0" smtClean="0"/>
+              <a:t>If there is good feedback on the training then Learning department should drop a mail to their manager and AVP appreciating the efforts of employee . This will make him repeat the act</a:t>
+            </a:r>
+            <a:r>
+              <a:rPr lang="en-US" sz="1800" b="1" dirty="0" smtClean="0"/>
+              <a:t>. Recognizing employees is one best way to make him repeat another good presentation </a:t>
+            </a:r>
+          </a:p>
+          <a:p>
+            <a:pPr>
+              <a:buFont typeface="Wingdings" pitchFamily="2" charset="2"/>
+              <a:buChar char="ü"/>
+            </a:pPr>
+            <a:r>
+              <a:rPr lang="en-US" sz="1800" dirty="0" smtClean="0"/>
+              <a:t>If feedback is not proper share with employee and leave it . Don’t share with manager.</a:t>
+            </a:r>
+          </a:p>
+          <a:p>
+            <a:pPr>
+              <a:buFont typeface="Wingdings" pitchFamily="2" charset="2"/>
+              <a:buChar char="ü"/>
+            </a:pPr>
+            <a:endParaRPr lang="en-US" sz="1800" dirty="0" smtClean="0"/>
           </a:p>
           <a:p>
             <a:pPr>
@@ -11002,9 +11104,12 @@
 </file>
 
 <file path=customXml/item1.xml><?xml version="1.0" encoding="utf-8"?>
-<p:properties xmlns:p="http://schemas.microsoft.com/office/2006/metadata/properties" xmlns:xsi="http://www.w3.org/2001/XMLSchema-instance" xmlns:pc="http://schemas.microsoft.com/office/infopath/2007/PartnerControls">
-  <documentManagement/>
-</p:properties>
+<?mso-contentType ?>
+<FormTemplates xmlns="http://schemas.microsoft.com/sharepoint/v3/contenttype/forms">
+  <Display>DocumentLibraryForm</Display>
+  <Edit>DocumentLibraryForm</Edit>
+  <New>DocumentLibraryForm</New>
+</FormTemplates>
 </file>
 
 <file path=customXml/item2.xml><?xml version="1.0" encoding="utf-8"?>
@@ -11148,19 +11253,15 @@
 </file>
 
 <file path=customXml/item3.xml><?xml version="1.0" encoding="utf-8"?>
-<?mso-contentType ?>
-<FormTemplates xmlns="http://schemas.microsoft.com/sharepoint/v3/contenttype/forms">
-  <Display>DocumentLibraryForm</Display>
-  <Edit>DocumentLibraryForm</Edit>
-  <New>DocumentLibraryForm</New>
-</FormTemplates>
+<p:properties xmlns:p="http://schemas.microsoft.com/office/2006/metadata/properties" xmlns:xsi="http://www.w3.org/2001/XMLSchema-instance" xmlns:pc="http://schemas.microsoft.com/office/infopath/2007/PartnerControls">
+  <documentManagement/>
+</p:properties>
 </file>
 
 <file path=customXml/itemProps1.xml><?xml version="1.0" encoding="utf-8"?>
-<ds:datastoreItem xmlns:ds="http://schemas.openxmlformats.org/officeDocument/2006/customXml" ds:itemID="{1DA5CB71-27A8-4F27-B3EF-0B7C3FFAE0B8}">
+<ds:datastoreItem xmlns:ds="http://schemas.openxmlformats.org/officeDocument/2006/customXml" ds:itemID="{F7CCFA03-50CA-476E-8B8B-49D774F043AB}">
   <ds:schemaRefs>
-    <ds:schemaRef ds:uri="http://schemas.microsoft.com/office/2006/metadata/properties"/>
-    <ds:schemaRef ds:uri="http://schemas.microsoft.com/office/infopath/2007/PartnerControls"/>
+    <ds:schemaRef ds:uri="http://schemas.microsoft.com/sharepoint/v3/contenttype/forms"/>
   </ds:schemaRefs>
 </ds:datastoreItem>
 </file>
@@ -11184,9 +11285,10 @@
 </file>
 
 <file path=customXml/itemProps3.xml><?xml version="1.0" encoding="utf-8"?>
-<ds:datastoreItem xmlns:ds="http://schemas.openxmlformats.org/officeDocument/2006/customXml" ds:itemID="{F7CCFA03-50CA-476E-8B8B-49D774F043AB}">
+<ds:datastoreItem xmlns:ds="http://schemas.openxmlformats.org/officeDocument/2006/customXml" ds:itemID="{1DA5CB71-27A8-4F27-B3EF-0B7C3FFAE0B8}">
   <ds:schemaRefs>
-    <ds:schemaRef ds:uri="http://schemas.microsoft.com/sharepoint/v3/contenttype/forms"/>
+    <ds:schemaRef ds:uri="http://schemas.microsoft.com/office/2006/metadata/properties"/>
+    <ds:schemaRef ds:uri="http://schemas.microsoft.com/office/infopath/2007/PartnerControls"/>
   </ds:schemaRefs>
 </ds:datastoreItem>
 </file>